--- a/大一上笔记/离散数学/课件/第七章--7.1-7.3 -- 二元关系-关系的定义+运算 第3、4次课 (1).pptx
+++ b/大一上笔记/离散数学/课件/第七章--7.1-7.3 -- 二元关系-关系的定义+运算 第3、4次课 (1).pptx
@@ -552,7 +552,7 @@
           <a:p>
             <a:fld id="{32BADD8F-FEEB-434B-BF57-09818A2B09D7}" type="datetimeFigureOut">
               <a:rPr lang="en-CN" smtClean="0"/>
-              <a:t>2022/9/20</a:t>
+              <a:t>11/28/2022</a:t>
             </a:fld>
             <a:endParaRPr lang="en-CN"/>
           </a:p>
@@ -4480,7 +4480,7 @@
               <a:buNone/>
             </a:pPr>
             <a:r>
-              <a:rPr lang="zh-CN" altLang="en-US" sz="2800">
+              <a:rPr lang="zh-CN" altLang="en-US" sz="2800" dirty="0">
                 <a:solidFill>
                   <a:srgbClr val="990033"/>
                 </a:solidFill>
@@ -4488,7 +4488,7 @@
               <a:t>定理</a:t>
             </a:r>
             <a:r>
-              <a:rPr lang="en-US" altLang="zh-CN" sz="2800">
+              <a:rPr lang="en-US" altLang="zh-CN" sz="2800" dirty="0">
                 <a:solidFill>
                   <a:srgbClr val="990033"/>
                 </a:solidFill>
@@ -4496,27 +4496,27 @@
               <a:t>7.1</a:t>
             </a:r>
             <a:r>
-              <a:rPr lang="en-US" altLang="zh-CN" sz="2800"/>
+              <a:rPr lang="en-US" altLang="zh-CN" sz="2800" dirty="0"/>
               <a:t> </a:t>
             </a:r>
             <a:r>
-              <a:rPr lang="zh-CN" altLang="en-US" sz="2800"/>
+              <a:rPr lang="zh-CN" altLang="en-US" sz="2800" dirty="0"/>
               <a:t>若</a:t>
             </a:r>
             <a:r>
-              <a:rPr lang="en-US" altLang="zh-CN" sz="2800" i="1"/>
+              <a:rPr lang="en-US" altLang="zh-CN" sz="2800" i="1" dirty="0"/>
               <a:t>A</a:t>
             </a:r>
             <a:r>
-              <a:rPr lang="en-US" altLang="zh-CN" sz="2800"/>
+              <a:rPr lang="en-US" altLang="zh-CN" sz="2800" dirty="0"/>
               <a:t>, </a:t>
             </a:r>
             <a:r>
-              <a:rPr lang="en-US" altLang="zh-CN" sz="2800" i="1"/>
+              <a:rPr lang="en-US" altLang="zh-CN" sz="2800" i="1" dirty="0"/>
               <a:t>B</a:t>
             </a:r>
             <a:r>
-              <a:rPr lang="zh-CN" altLang="en-US" sz="2800"/>
+              <a:rPr lang="zh-CN" altLang="en-US" sz="2800" dirty="0"/>
               <a:t>是有穷集合， 则有 </a:t>
             </a:r>
           </a:p>
@@ -4526,51 +4526,51 @@
               <a:buNone/>
             </a:pPr>
             <a:r>
-              <a:rPr lang="zh-CN" altLang="en-US" sz="2800"/>
+              <a:rPr lang="zh-CN" altLang="en-US" sz="2800" dirty="0"/>
               <a:t>                    </a:t>
             </a:r>
             <a:r>
-              <a:rPr lang="en-US" altLang="zh-CN" sz="2800"/>
+              <a:rPr lang="en-US" altLang="zh-CN" sz="2800" dirty="0"/>
               <a:t>|</a:t>
             </a:r>
             <a:r>
-              <a:rPr lang="en-US" altLang="zh-CN" sz="2800" i="1"/>
+              <a:rPr lang="en-US" altLang="zh-CN" sz="2800" i="1" dirty="0"/>
               <a:t>A</a:t>
             </a:r>
             <a:r>
-              <a:rPr lang="en-US" altLang="zh-CN" sz="2800"/>
+              <a:rPr lang="en-US" altLang="zh-CN" sz="2800" dirty="0"/>
               <a:t>×</a:t>
             </a:r>
             <a:r>
-              <a:rPr lang="en-US" altLang="zh-CN" sz="2800" i="1"/>
+              <a:rPr lang="en-US" altLang="zh-CN" sz="2800" i="1" dirty="0"/>
               <a:t>B</a:t>
             </a:r>
             <a:r>
-              <a:rPr lang="en-US" altLang="zh-CN" sz="2800"/>
+              <a:rPr lang="en-US" altLang="zh-CN" sz="2800" dirty="0"/>
               <a:t>|=|</a:t>
             </a:r>
             <a:r>
-              <a:rPr lang="en-US" altLang="zh-CN" sz="2800" i="1"/>
+              <a:rPr lang="en-US" altLang="zh-CN" sz="2800" i="1" dirty="0"/>
               <a:t>A</a:t>
             </a:r>
             <a:r>
-              <a:rPr lang="en-US" altLang="zh-CN" sz="2800"/>
+              <a:rPr lang="en-US" altLang="zh-CN" sz="2800" dirty="0"/>
               <a:t>|·|</a:t>
             </a:r>
             <a:r>
-              <a:rPr lang="en-US" altLang="zh-CN" sz="2800" i="1"/>
+              <a:rPr lang="en-US" altLang="zh-CN" sz="2800" i="1" dirty="0"/>
               <a:t>B</a:t>
             </a:r>
             <a:r>
-              <a:rPr lang="en-US" altLang="zh-CN" sz="2800"/>
+              <a:rPr lang="en-US" altLang="zh-CN" sz="2800" dirty="0"/>
               <a:t>|  (·</a:t>
             </a:r>
             <a:r>
-              <a:rPr lang="zh-CN" altLang="en-US" sz="2800"/>
+              <a:rPr lang="zh-CN" altLang="en-US" sz="2800" dirty="0"/>
               <a:t>为数乘运算</a:t>
             </a:r>
             <a:r>
-              <a:rPr lang="en-US" altLang="zh-CN" sz="2800"/>
+              <a:rPr lang="en-US" altLang="zh-CN" sz="2800" dirty="0"/>
               <a:t>)</a:t>
             </a:r>
           </a:p>
@@ -4580,14 +4580,14 @@
               <a:buNone/>
             </a:pPr>
             <a:r>
-              <a:rPr lang="en-US" altLang="zh-CN" sz="2800"/>
+              <a:rPr lang="en-US" altLang="zh-CN" sz="2800" dirty="0"/>
               <a:t>     </a:t>
             </a:r>
             <a:r>
-              <a:rPr lang="zh-CN" altLang="en-US" sz="2800"/>
+              <a:rPr lang="zh-CN" altLang="en-US" sz="2800" dirty="0"/>
               <a:t>该定理由排列组合的知识不难证明。</a:t>
             </a:r>
-            <a:endParaRPr lang="zh-CN" altLang="en-US" sz="2800">
+            <a:endParaRPr lang="zh-CN" altLang="en-US" sz="2800" dirty="0">
               <a:solidFill>
                 <a:srgbClr val="990033"/>
               </a:solidFill>
@@ -4599,7 +4599,7 @@
               <a:buNone/>
             </a:pPr>
             <a:r>
-              <a:rPr lang="zh-CN" altLang="en-US" sz="2800">
+              <a:rPr lang="zh-CN" altLang="en-US" sz="2800" dirty="0">
                 <a:solidFill>
                   <a:srgbClr val="990033"/>
                 </a:solidFill>
@@ -4607,7 +4607,7 @@
               <a:t>定理</a:t>
             </a:r>
             <a:r>
-              <a:rPr lang="en-US" altLang="zh-CN" sz="2800">
+              <a:rPr lang="en-US" altLang="zh-CN" sz="2800" dirty="0">
                 <a:solidFill>
                   <a:srgbClr val="990033"/>
                 </a:solidFill>
@@ -4615,51 +4615,51 @@
               <a:t>7.2</a:t>
             </a:r>
             <a:r>
-              <a:rPr lang="en-US" altLang="zh-CN" sz="2800"/>
+              <a:rPr lang="en-US" altLang="zh-CN" sz="2800" dirty="0"/>
               <a:t> </a:t>
             </a:r>
             <a:r>
-              <a:rPr lang="zh-CN" altLang="en-US" sz="2800"/>
+              <a:rPr lang="zh-CN" altLang="en-US" sz="2800" dirty="0"/>
               <a:t>对任意有限集合</a:t>
             </a:r>
             <a:r>
-              <a:rPr lang="en-US" altLang="zh-CN" sz="2800" i="1"/>
+              <a:rPr lang="en-US" altLang="zh-CN" sz="2800" i="1" dirty="0"/>
               <a:t>A</a:t>
             </a:r>
             <a:r>
-              <a:rPr lang="en-US" altLang="zh-CN" sz="2800" baseline="-25000"/>
+              <a:rPr lang="en-US" altLang="zh-CN" sz="2800" baseline="-25000" dirty="0"/>
               <a:t>1</a:t>
             </a:r>
             <a:r>
-              <a:rPr lang="zh-CN" altLang="en-US" sz="2800"/>
+              <a:rPr lang="zh-CN" altLang="en-US" sz="2800" dirty="0"/>
               <a:t>， </a:t>
             </a:r>
             <a:r>
-              <a:rPr lang="en-US" altLang="zh-CN" sz="2800" i="1"/>
+              <a:rPr lang="en-US" altLang="zh-CN" sz="2800" i="1" dirty="0"/>
               <a:t>A</a:t>
             </a:r>
             <a:r>
-              <a:rPr lang="en-US" altLang="zh-CN" sz="2800" baseline="-25000"/>
+              <a:rPr lang="en-US" altLang="zh-CN" sz="2800" baseline="-25000" dirty="0"/>
               <a:t>2</a:t>
             </a:r>
             <a:r>
-              <a:rPr lang="en-US" altLang="zh-CN" sz="2800"/>
+              <a:rPr lang="en-US" altLang="zh-CN" sz="2800" dirty="0"/>
               <a:t>, …</a:t>
             </a:r>
             <a:r>
-              <a:rPr lang="zh-CN" altLang="en-US" sz="2800"/>
+              <a:rPr lang="zh-CN" altLang="en-US" sz="2800" dirty="0"/>
               <a:t>， </a:t>
             </a:r>
             <a:r>
-              <a:rPr lang="en-US" altLang="zh-CN" sz="2800" i="1"/>
+              <a:rPr lang="en-US" altLang="zh-CN" sz="2800" i="1" dirty="0"/>
               <a:t>A</a:t>
             </a:r>
             <a:r>
-              <a:rPr lang="en-US" altLang="zh-CN" sz="2800" i="1" baseline="-25000"/>
+              <a:rPr lang="en-US" altLang="zh-CN" sz="2800" i="1" baseline="-25000" dirty="0"/>
               <a:t>n</a:t>
             </a:r>
             <a:r>
-              <a:rPr lang="zh-CN" altLang="en-US" sz="2800"/>
+              <a:rPr lang="zh-CN" altLang="en-US" sz="2800" dirty="0"/>
               <a:t>， 有</a:t>
             </a:r>
           </a:p>
@@ -4669,87 +4669,87 @@
               <a:buNone/>
             </a:pPr>
             <a:r>
-              <a:rPr lang="zh-CN" altLang="en-US" sz="2800"/>
+              <a:rPr lang="zh-CN" altLang="en-US" sz="2800" dirty="0"/>
               <a:t>         </a:t>
             </a:r>
             <a:r>
-              <a:rPr lang="en-US" altLang="zh-CN" sz="2800"/>
+              <a:rPr lang="en-US" altLang="zh-CN" sz="2800" dirty="0"/>
               <a:t>|</a:t>
             </a:r>
             <a:r>
-              <a:rPr lang="en-US" altLang="zh-CN" sz="2800" i="1"/>
+              <a:rPr lang="en-US" altLang="zh-CN" sz="2800" i="1" dirty="0"/>
               <a:t>A</a:t>
             </a:r>
             <a:r>
-              <a:rPr lang="en-US" altLang="zh-CN" sz="2800" baseline="-25000"/>
+              <a:rPr lang="en-US" altLang="zh-CN" sz="2800" baseline="-25000" dirty="0"/>
               <a:t>1</a:t>
             </a:r>
             <a:r>
-              <a:rPr lang="en-US" altLang="zh-CN" sz="2800"/>
+              <a:rPr lang="en-US" altLang="zh-CN" sz="2800" dirty="0"/>
               <a:t>×</a:t>
             </a:r>
             <a:r>
-              <a:rPr lang="en-US" altLang="zh-CN" sz="2800" i="1"/>
+              <a:rPr lang="en-US" altLang="zh-CN" sz="2800" i="1" dirty="0"/>
               <a:t>A</a:t>
             </a:r>
             <a:r>
-              <a:rPr lang="en-US" altLang="zh-CN" sz="2800" baseline="-25000"/>
+              <a:rPr lang="en-US" altLang="zh-CN" sz="2800" baseline="-25000" dirty="0"/>
               <a:t>2</a:t>
             </a:r>
             <a:r>
-              <a:rPr lang="en-US" altLang="zh-CN" sz="2800"/>
+              <a:rPr lang="en-US" altLang="zh-CN" sz="2800" dirty="0"/>
               <a:t>×…×</a:t>
             </a:r>
             <a:r>
-              <a:rPr lang="en-US" altLang="zh-CN" sz="2800" i="1"/>
+              <a:rPr lang="en-US" altLang="zh-CN" sz="2800" i="1" dirty="0"/>
               <a:t>A</a:t>
             </a:r>
             <a:r>
-              <a:rPr lang="en-US" altLang="zh-CN" sz="2800" i="1" baseline="-25000"/>
+              <a:rPr lang="en-US" altLang="zh-CN" sz="2800" i="1" baseline="-25000" dirty="0"/>
               <a:t>n</a:t>
             </a:r>
             <a:r>
-              <a:rPr lang="en-US" altLang="zh-CN" sz="2800"/>
+              <a:rPr lang="en-US" altLang="zh-CN" sz="2800" dirty="0"/>
               <a:t>|</a:t>
             </a:r>
             <a:r>
-              <a:rPr lang="zh-CN" altLang="en-US" sz="2800"/>
+              <a:rPr lang="zh-CN" altLang="en-US" sz="2800" dirty="0"/>
               <a:t>＝</a:t>
             </a:r>
             <a:r>
-              <a:rPr lang="en-US" altLang="zh-CN" sz="2800"/>
+              <a:rPr lang="en-US" altLang="zh-CN" sz="2800" dirty="0"/>
               <a:t>|</a:t>
             </a:r>
             <a:r>
-              <a:rPr lang="en-US" altLang="zh-CN" sz="2800" i="1"/>
+              <a:rPr lang="en-US" altLang="zh-CN" sz="2800" i="1" dirty="0"/>
               <a:t>A</a:t>
             </a:r>
             <a:r>
-              <a:rPr lang="en-US" altLang="zh-CN" sz="2800" baseline="-25000"/>
+              <a:rPr lang="en-US" altLang="zh-CN" sz="2800" baseline="-25000" dirty="0"/>
               <a:t>1</a:t>
             </a:r>
             <a:r>
-              <a:rPr lang="en-US" altLang="zh-CN" sz="2800"/>
+              <a:rPr lang="en-US" altLang="zh-CN" sz="2800" dirty="0"/>
               <a:t>|· … ·|</a:t>
             </a:r>
             <a:r>
-              <a:rPr lang="en-US" altLang="zh-CN" sz="2800" i="1"/>
+              <a:rPr lang="en-US" altLang="zh-CN" sz="2800" i="1" dirty="0"/>
               <a:t>A</a:t>
             </a:r>
             <a:r>
-              <a:rPr lang="en-US" altLang="zh-CN" sz="2800" i="1" baseline="-25000"/>
+              <a:rPr lang="en-US" altLang="zh-CN" sz="2800" i="1" baseline="-25000" dirty="0"/>
               <a:t>n</a:t>
             </a:r>
             <a:r>
-              <a:rPr lang="en-US" altLang="zh-CN" sz="2800"/>
+              <a:rPr lang="en-US" altLang="zh-CN" sz="2800" dirty="0"/>
               <a:t>|  (·</a:t>
             </a:r>
             <a:r>
-              <a:rPr lang="zh-CN" altLang="en-US" sz="2800"/>
+              <a:rPr lang="zh-CN" altLang="en-US" sz="2800" dirty="0"/>
               <a:t>为数乘运算</a:t>
             </a:r>
             <a:r>
-              <a:rPr lang="en-US" altLang="zh-CN" sz="2800"/>
+              <a:rPr lang="en-US" altLang="zh-CN" sz="2800" dirty="0"/>
               <a:t>)</a:t>
             </a:r>
           </a:p>
@@ -4759,11 +4759,11 @@
               <a:buNone/>
             </a:pPr>
             <a:r>
-              <a:rPr lang="en-US" altLang="zh-CN" sz="2800"/>
+              <a:rPr lang="en-US" altLang="zh-CN" sz="2800" dirty="0"/>
               <a:t>    </a:t>
             </a:r>
             <a:r>
-              <a:rPr lang="zh-CN" altLang="en-US" sz="2800"/>
+              <a:rPr lang="zh-CN" altLang="en-US" sz="2800" dirty="0"/>
               <a:t>这是十分直观的， 可用归纳法证明之。 </a:t>
             </a:r>
           </a:p>
@@ -4773,7 +4773,7 @@
               <a:buNone/>
             </a:pPr>
             <a:r>
-              <a:rPr lang="zh-CN" altLang="en-US" sz="2800"/>
+              <a:rPr lang="zh-CN" altLang="en-US" sz="2800" dirty="0"/>
               <a:t>            </a:t>
             </a:r>
           </a:p>
@@ -5285,12 +5285,12 @@
           <a:graphicData uri="http://schemas.openxmlformats.org/presentationml/2006/ole">
             <mc:AlternateContent xmlns:mc="http://schemas.openxmlformats.org/markup-compatibility/2006">
               <mc:Choice xmlns:v="urn:schemas-microsoft-com:vml" Requires="v">
-                <p:oleObj spid="_x0000_s137875" r:id="rId3" imgW="3505200" imgH="3505200" progId="Equation.DSMT4">
+                <p:oleObj r:id="rId2" imgW="3505200" imgH="3505200" progId="Equation.DSMT4">
                   <p:embed/>
                 </p:oleObj>
               </mc:Choice>
               <mc:Fallback>
-                <p:oleObj r:id="rId3" imgW="3505200" imgH="3505200" progId="Equation.DSMT4">
+                <p:oleObj r:id="rId2" imgW="3505200" imgH="3505200" progId="Equation.DSMT4">
                   <p:embed/>
                   <p:pic>
                     <p:nvPicPr>
@@ -5301,7 +5301,7 @@
                       <p:nvPr/>
                     </p:nvPicPr>
                     <p:blipFill>
-                      <a:blip r:embed="rId4">
+                      <a:blip r:embed="rId3">
                         <a:extLst>
                           <a:ext uri="{28A0092B-C50C-407E-A947-70E740481C1C}">
                             <a14:useLocalDpi xmlns:a14="http://schemas.microsoft.com/office/drawing/2010/main" val="0"/>
@@ -5374,12 +5374,12 @@
           <a:graphicData uri="http://schemas.openxmlformats.org/presentationml/2006/ole">
             <mc:AlternateContent xmlns:mc="http://schemas.openxmlformats.org/markup-compatibility/2006">
               <mc:Choice xmlns:v="urn:schemas-microsoft-com:vml" Requires="v">
-                <p:oleObj spid="_x0000_s137876" r:id="rId5" imgW="3505200" imgH="3505200" progId="Equation.DSMT4">
+                <p:oleObj r:id="rId4" imgW="3505200" imgH="3505200" progId="Equation.DSMT4">
                   <p:embed/>
                 </p:oleObj>
               </mc:Choice>
               <mc:Fallback>
-                <p:oleObj r:id="rId5" imgW="3505200" imgH="3505200" progId="Equation.DSMT4">
+                <p:oleObj r:id="rId4" imgW="3505200" imgH="3505200" progId="Equation.DSMT4">
                   <p:embed/>
                   <p:pic>
                     <p:nvPicPr>
@@ -5390,7 +5390,7 @@
                       <p:nvPr/>
                     </p:nvPicPr>
                     <p:blipFill>
-                      <a:blip r:embed="rId4">
+                      <a:blip r:embed="rId3">
                         <a:extLst>
                           <a:ext uri="{28A0092B-C50C-407E-A947-70E740481C1C}">
                             <a14:useLocalDpi xmlns:a14="http://schemas.microsoft.com/office/drawing/2010/main" val="0"/>
@@ -5463,12 +5463,12 @@
           <a:graphicData uri="http://schemas.openxmlformats.org/presentationml/2006/ole">
             <mc:AlternateContent xmlns:mc="http://schemas.openxmlformats.org/markup-compatibility/2006">
               <mc:Choice xmlns:v="urn:schemas-microsoft-com:vml" Requires="v">
-                <p:oleObj spid="_x0000_s137877" r:id="rId6" imgW="3505200" imgH="3505200" progId="Equation.DSMT4">
+                <p:oleObj r:id="rId5" imgW="3505200" imgH="3505200" progId="Equation.DSMT4">
                   <p:embed/>
                 </p:oleObj>
               </mc:Choice>
               <mc:Fallback>
-                <p:oleObj r:id="rId6" imgW="3505200" imgH="3505200" progId="Equation.DSMT4">
+                <p:oleObj r:id="rId5" imgW="3505200" imgH="3505200" progId="Equation.DSMT4">
                   <p:embed/>
                   <p:pic>
                     <p:nvPicPr>
@@ -5479,7 +5479,7 @@
                       <p:nvPr/>
                     </p:nvPicPr>
                     <p:blipFill>
-                      <a:blip r:embed="rId4">
+                      <a:blip r:embed="rId3">
                         <a:extLst>
                           <a:ext uri="{28A0092B-C50C-407E-A947-70E740481C1C}">
                             <a14:useLocalDpi xmlns:a14="http://schemas.microsoft.com/office/drawing/2010/main" val="0"/>
@@ -5552,12 +5552,12 @@
           <a:graphicData uri="http://schemas.openxmlformats.org/presentationml/2006/ole">
             <mc:AlternateContent xmlns:mc="http://schemas.openxmlformats.org/markup-compatibility/2006">
               <mc:Choice xmlns:v="urn:schemas-microsoft-com:vml" Requires="v">
-                <p:oleObj spid="_x0000_s137878" r:id="rId7" imgW="3505200" imgH="3505200" progId="Equation.DSMT4">
+                <p:oleObj r:id="rId6" imgW="3505200" imgH="3505200" progId="Equation.DSMT4">
                   <p:embed/>
                 </p:oleObj>
               </mc:Choice>
               <mc:Fallback>
-                <p:oleObj r:id="rId7" imgW="3505200" imgH="3505200" progId="Equation.DSMT4">
+                <p:oleObj r:id="rId6" imgW="3505200" imgH="3505200" progId="Equation.DSMT4">
                   <p:embed/>
                   <p:pic>
                     <p:nvPicPr>
@@ -5568,7 +5568,7 @@
                       <p:nvPr/>
                     </p:nvPicPr>
                     <p:blipFill>
-                      <a:blip r:embed="rId4">
+                      <a:blip r:embed="rId3">
                         <a:extLst>
                           <a:ext uri="{28A0092B-C50C-407E-A947-70E740481C1C}">
                             <a14:useLocalDpi xmlns:a14="http://schemas.microsoft.com/office/drawing/2010/main" val="0"/>
@@ -5641,12 +5641,12 @@
           <a:graphicData uri="http://schemas.openxmlformats.org/presentationml/2006/ole">
             <mc:AlternateContent xmlns:mc="http://schemas.openxmlformats.org/markup-compatibility/2006">
               <mc:Choice xmlns:v="urn:schemas-microsoft-com:vml" Requires="v">
-                <p:oleObj spid="_x0000_s137879" r:id="rId8" imgW="3505200" imgH="3505200" progId="Equation.DSMT4">
+                <p:oleObj r:id="rId7" imgW="3505200" imgH="3505200" progId="Equation.DSMT4">
                   <p:embed/>
                 </p:oleObj>
               </mc:Choice>
               <mc:Fallback>
-                <p:oleObj r:id="rId8" imgW="3505200" imgH="3505200" progId="Equation.DSMT4">
+                <p:oleObj r:id="rId7" imgW="3505200" imgH="3505200" progId="Equation.DSMT4">
                   <p:embed/>
                   <p:pic>
                     <p:nvPicPr>
@@ -5657,7 +5657,7 @@
                       <p:nvPr/>
                     </p:nvPicPr>
                     <p:blipFill>
-                      <a:blip r:embed="rId4">
+                      <a:blip r:embed="rId3">
                         <a:extLst>
                           <a:ext uri="{28A0092B-C50C-407E-A947-70E740481C1C}">
                             <a14:useLocalDpi xmlns:a14="http://schemas.microsoft.com/office/drawing/2010/main" val="0"/>
@@ -5730,12 +5730,12 @@
           <a:graphicData uri="http://schemas.openxmlformats.org/presentationml/2006/ole">
             <mc:AlternateContent xmlns:mc="http://schemas.openxmlformats.org/markup-compatibility/2006">
               <mc:Choice xmlns:v="urn:schemas-microsoft-com:vml" Requires="v">
-                <p:oleObj spid="_x0000_s137880" r:id="rId9" imgW="3505200" imgH="3505200" progId="Equation.DSMT4">
+                <p:oleObj r:id="rId8" imgW="3505200" imgH="3505200" progId="Equation.DSMT4">
                   <p:embed/>
                 </p:oleObj>
               </mc:Choice>
               <mc:Fallback>
-                <p:oleObj r:id="rId9" imgW="3505200" imgH="3505200" progId="Equation.DSMT4">
+                <p:oleObj r:id="rId8" imgW="3505200" imgH="3505200" progId="Equation.DSMT4">
                   <p:embed/>
                   <p:pic>
                     <p:nvPicPr>
@@ -5746,7 +5746,7 @@
                       <p:nvPr/>
                     </p:nvPicPr>
                     <p:blipFill>
-                      <a:blip r:embed="rId4">
+                      <a:blip r:embed="rId3">
                         <a:extLst>
                           <a:ext uri="{28A0092B-C50C-407E-A947-70E740481C1C}">
                             <a14:useLocalDpi xmlns:a14="http://schemas.microsoft.com/office/drawing/2010/main" val="0"/>
@@ -5819,12 +5819,12 @@
           <a:graphicData uri="http://schemas.openxmlformats.org/presentationml/2006/ole">
             <mc:AlternateContent xmlns:mc="http://schemas.openxmlformats.org/markup-compatibility/2006">
               <mc:Choice xmlns:v="urn:schemas-microsoft-com:vml" Requires="v">
-                <p:oleObj spid="_x0000_s137881" r:id="rId10" imgW="4686300" imgH="3505200" progId="Equation.DSMT4">
+                <p:oleObj r:id="rId9" imgW="4686300" imgH="3505200" progId="Equation.DSMT4">
                   <p:embed/>
                 </p:oleObj>
               </mc:Choice>
               <mc:Fallback>
-                <p:oleObj r:id="rId10" imgW="4686300" imgH="3505200" progId="Equation.DSMT4">
+                <p:oleObj r:id="rId9" imgW="4686300" imgH="3505200" progId="Equation.DSMT4">
                   <p:embed/>
                   <p:pic>
                     <p:nvPicPr>
@@ -5835,7 +5835,7 @@
                       <p:nvPr/>
                     </p:nvPicPr>
                     <p:blipFill>
-                      <a:blip r:embed="rId11">
+                      <a:blip r:embed="rId10">
                         <a:extLst>
                           <a:ext uri="{28A0092B-C50C-407E-A947-70E740481C1C}">
                             <a14:useLocalDpi xmlns:a14="http://schemas.microsoft.com/office/drawing/2010/main" val="0"/>
@@ -5908,12 +5908,12 @@
           <a:graphicData uri="http://schemas.openxmlformats.org/presentationml/2006/ole">
             <mc:AlternateContent xmlns:mc="http://schemas.openxmlformats.org/markup-compatibility/2006">
               <mc:Choice xmlns:v="urn:schemas-microsoft-com:vml" Requires="v">
-                <p:oleObj spid="_x0000_s137882" r:id="rId12" imgW="4686300" imgH="3505200" progId="Equation.DSMT4">
+                <p:oleObj r:id="rId11" imgW="4686300" imgH="3505200" progId="Equation.DSMT4">
                   <p:embed/>
                 </p:oleObj>
               </mc:Choice>
               <mc:Fallback>
-                <p:oleObj r:id="rId12" imgW="4686300" imgH="3505200" progId="Equation.DSMT4">
+                <p:oleObj r:id="rId11" imgW="4686300" imgH="3505200" progId="Equation.DSMT4">
                   <p:embed/>
                   <p:pic>
                     <p:nvPicPr>
@@ -5924,7 +5924,7 @@
                       <p:nvPr/>
                     </p:nvPicPr>
                     <p:blipFill>
-                      <a:blip r:embed="rId11">
+                      <a:blip r:embed="rId10">
                         <a:extLst>
                           <a:ext uri="{28A0092B-C50C-407E-A947-70E740481C1C}">
                             <a14:useLocalDpi xmlns:a14="http://schemas.microsoft.com/office/drawing/2010/main" val="0"/>
@@ -5997,12 +5997,12 @@
           <a:graphicData uri="http://schemas.openxmlformats.org/presentationml/2006/ole">
             <mc:AlternateContent xmlns:mc="http://schemas.openxmlformats.org/markup-compatibility/2006">
               <mc:Choice xmlns:v="urn:schemas-microsoft-com:vml" Requires="v">
-                <p:oleObj spid="_x0000_s137883" r:id="rId13" imgW="3505200" imgH="3505200" progId="Equation.DSMT4">
+                <p:oleObj r:id="rId12" imgW="3505200" imgH="3505200" progId="Equation.DSMT4">
                   <p:embed/>
                 </p:oleObj>
               </mc:Choice>
               <mc:Fallback>
-                <p:oleObj r:id="rId13" imgW="3505200" imgH="3505200" progId="Equation.DSMT4">
+                <p:oleObj r:id="rId12" imgW="3505200" imgH="3505200" progId="Equation.DSMT4">
                   <p:embed/>
                   <p:pic>
                     <p:nvPicPr>
@@ -6013,7 +6013,7 @@
                       <p:nvPr/>
                     </p:nvPicPr>
                     <p:blipFill>
-                      <a:blip r:embed="rId4">
+                      <a:blip r:embed="rId3">
                         <a:extLst>
                           <a:ext uri="{28A0092B-C50C-407E-A947-70E740481C1C}">
                             <a14:useLocalDpi xmlns:a14="http://schemas.microsoft.com/office/drawing/2010/main" val="0"/>
@@ -6092,12 +6092,12 @@
           <a:graphicData uri="http://schemas.openxmlformats.org/presentationml/2006/ole">
             <mc:AlternateContent xmlns:mc="http://schemas.openxmlformats.org/markup-compatibility/2006">
               <mc:Choice xmlns:v="urn:schemas-microsoft-com:vml" Requires="v">
-                <p:oleObj spid="_x0000_s137884" r:id="rId14" imgW="3505200" imgH="3505200" progId="Equation.DSMT4">
+                <p:oleObj r:id="rId13" imgW="3505200" imgH="3505200" progId="Equation.DSMT4">
                   <p:embed/>
                 </p:oleObj>
               </mc:Choice>
               <mc:Fallback>
-                <p:oleObj r:id="rId14" imgW="3505200" imgH="3505200" progId="Equation.DSMT4">
+                <p:oleObj r:id="rId13" imgW="3505200" imgH="3505200" progId="Equation.DSMT4">
                   <p:embed/>
                   <p:pic>
                     <p:nvPicPr>
@@ -6108,7 +6108,7 @@
                       <p:nvPr/>
                     </p:nvPicPr>
                     <p:blipFill>
-                      <a:blip r:embed="rId4">
+                      <a:blip r:embed="rId3">
                         <a:extLst>
                           <a:ext uri="{28A0092B-C50C-407E-A947-70E740481C1C}">
                             <a14:useLocalDpi xmlns:a14="http://schemas.microsoft.com/office/drawing/2010/main" val="0"/>
@@ -6181,12 +6181,12 @@
           <a:graphicData uri="http://schemas.openxmlformats.org/presentationml/2006/ole">
             <mc:AlternateContent xmlns:mc="http://schemas.openxmlformats.org/markup-compatibility/2006">
               <mc:Choice xmlns:v="urn:schemas-microsoft-com:vml" Requires="v">
-                <p:oleObj spid="_x0000_s137885" r:id="rId15" imgW="3505200" imgH="3505200" progId="Equation.DSMT4">
+                <p:oleObj r:id="rId14" imgW="3505200" imgH="3505200" progId="Equation.DSMT4">
                   <p:embed/>
                 </p:oleObj>
               </mc:Choice>
               <mc:Fallback>
-                <p:oleObj r:id="rId15" imgW="3505200" imgH="3505200" progId="Equation.DSMT4">
+                <p:oleObj r:id="rId14" imgW="3505200" imgH="3505200" progId="Equation.DSMT4">
                   <p:embed/>
                   <p:pic>
                     <p:nvPicPr>
@@ -6197,7 +6197,7 @@
                       <p:nvPr/>
                     </p:nvPicPr>
                     <p:blipFill>
-                      <a:blip r:embed="rId4">
+                      <a:blip r:embed="rId3">
                         <a:extLst>
                           <a:ext uri="{28A0092B-C50C-407E-A947-70E740481C1C}">
                             <a14:useLocalDpi xmlns:a14="http://schemas.microsoft.com/office/drawing/2010/main" val="0"/>
@@ -6276,12 +6276,12 @@
           <a:graphicData uri="http://schemas.openxmlformats.org/presentationml/2006/ole">
             <mc:AlternateContent xmlns:mc="http://schemas.openxmlformats.org/markup-compatibility/2006">
               <mc:Choice xmlns:v="urn:schemas-microsoft-com:vml" Requires="v">
-                <p:oleObj spid="_x0000_s137886" r:id="rId16" imgW="3505200" imgH="3505200" progId="Equation.DSMT4">
+                <p:oleObj r:id="rId15" imgW="3505200" imgH="3505200" progId="Equation.DSMT4">
                   <p:embed/>
                 </p:oleObj>
               </mc:Choice>
               <mc:Fallback>
-                <p:oleObj r:id="rId16" imgW="3505200" imgH="3505200" progId="Equation.DSMT4">
+                <p:oleObj r:id="rId15" imgW="3505200" imgH="3505200" progId="Equation.DSMT4">
                   <p:embed/>
                   <p:pic>
                     <p:nvPicPr>
@@ -6292,7 +6292,7 @@
                       <p:nvPr/>
                     </p:nvPicPr>
                     <p:blipFill>
-                      <a:blip r:embed="rId4">
+                      <a:blip r:embed="rId3">
                         <a:extLst>
                           <a:ext uri="{28A0092B-C50C-407E-A947-70E740481C1C}">
                             <a14:useLocalDpi xmlns:a14="http://schemas.microsoft.com/office/drawing/2010/main" val="0"/>
@@ -6421,12 +6421,12 @@
           <a:graphicData uri="http://schemas.openxmlformats.org/presentationml/2006/ole">
             <mc:AlternateContent xmlns:mc="http://schemas.openxmlformats.org/markup-compatibility/2006">
               <mc:Choice xmlns:v="urn:schemas-microsoft-com:vml" Requires="v">
-                <p:oleObj spid="_x0000_s137887" r:id="rId17" imgW="3505200" imgH="3505200" progId="Equation.DSMT4">
+                <p:oleObj r:id="rId16" imgW="3505200" imgH="3505200" progId="Equation.DSMT4">
                   <p:embed/>
                 </p:oleObj>
               </mc:Choice>
               <mc:Fallback>
-                <p:oleObj r:id="rId17" imgW="3505200" imgH="3505200" progId="Equation.DSMT4">
+                <p:oleObj r:id="rId16" imgW="3505200" imgH="3505200" progId="Equation.DSMT4">
                   <p:embed/>
                   <p:pic>
                     <p:nvPicPr>
@@ -6437,7 +6437,7 @@
                       <p:nvPr/>
                     </p:nvPicPr>
                     <p:blipFill>
-                      <a:blip r:embed="rId4">
+                      <a:blip r:embed="rId3">
                         <a:extLst>
                           <a:ext uri="{28A0092B-C50C-407E-A947-70E740481C1C}">
                             <a14:useLocalDpi xmlns:a14="http://schemas.microsoft.com/office/drawing/2010/main" val="0"/>
@@ -6810,12 +6810,12 @@
           <a:graphicData uri="http://schemas.openxmlformats.org/presentationml/2006/ole">
             <mc:AlternateContent xmlns:mc="http://schemas.openxmlformats.org/markup-compatibility/2006">
               <mc:Choice xmlns:v="urn:schemas-microsoft-com:vml" Requires="v">
-                <p:oleObj spid="_x0000_s16597" r:id="rId3" imgW="6146800" imgH="2921000" progId="Word.Document.8">
+                <p:oleObj r:id="rId2" imgW="6146800" imgH="2921000" progId="Word.Document.8">
                   <p:embed/>
                 </p:oleObj>
               </mc:Choice>
               <mc:Fallback>
-                <p:oleObj r:id="rId3" imgW="6146800" imgH="2921000" progId="Word.Document.8">
+                <p:oleObj r:id="rId2" imgW="6146800" imgH="2921000" progId="Word.Document.8">
                   <p:embed/>
                   <p:pic>
                     <p:nvPicPr>
@@ -6826,7 +6826,7 @@
                       <p:nvPr/>
                     </p:nvPicPr>
                     <p:blipFill>
-                      <a:blip r:embed="rId4">
+                      <a:blip r:embed="rId3">
                         <a:extLst>
                           <a:ext uri="{28A0092B-C50C-407E-A947-70E740481C1C}">
                             <a14:useLocalDpi xmlns:a14="http://schemas.microsoft.com/office/drawing/2010/main" val="0"/>
@@ -7019,12 +7019,12 @@
           <a:graphicData uri="http://schemas.openxmlformats.org/presentationml/2006/ole">
             <mc:AlternateContent xmlns:mc="http://schemas.openxmlformats.org/markup-compatibility/2006">
               <mc:Choice xmlns:v="urn:schemas-microsoft-com:vml" Requires="v">
-                <p:oleObj spid="_x0000_s17621" r:id="rId3" imgW="6070600" imgH="4038600" progId="Word.Document.8">
+                <p:oleObj r:id="rId2" imgW="6070600" imgH="4038600" progId="Word.Document.8">
                   <p:embed/>
                 </p:oleObj>
               </mc:Choice>
               <mc:Fallback>
-                <p:oleObj r:id="rId3" imgW="6070600" imgH="4038600" progId="Word.Document.8">
+                <p:oleObj r:id="rId2" imgW="6070600" imgH="4038600" progId="Word.Document.8">
                   <p:embed/>
                   <p:pic>
                     <p:nvPicPr>
@@ -7035,7 +7035,7 @@
                       <p:nvPr/>
                     </p:nvPicPr>
                     <p:blipFill>
-                      <a:blip r:embed="rId4">
+                      <a:blip r:embed="rId3">
                         <a:extLst>
                           <a:ext uri="{28A0092B-C50C-407E-A947-70E740481C1C}">
                             <a14:useLocalDpi xmlns:a14="http://schemas.microsoft.com/office/drawing/2010/main" val="0"/>
@@ -7228,12 +7228,12 @@
           <a:graphicData uri="http://schemas.openxmlformats.org/presentationml/2006/ole">
             <mc:AlternateContent xmlns:mc="http://schemas.openxmlformats.org/markup-compatibility/2006">
               <mc:Choice xmlns:v="urn:schemas-microsoft-com:vml" Requires="v">
-                <p:oleObj spid="_x0000_s18645" r:id="rId3" imgW="6057900" imgH="4038600" progId="Word.Document.8">
+                <p:oleObj r:id="rId2" imgW="6057900" imgH="4038600" progId="Word.Document.8">
                   <p:embed/>
                 </p:oleObj>
               </mc:Choice>
               <mc:Fallback>
-                <p:oleObj r:id="rId3" imgW="6057900" imgH="4038600" progId="Word.Document.8">
+                <p:oleObj r:id="rId2" imgW="6057900" imgH="4038600" progId="Word.Document.8">
                   <p:embed/>
                   <p:pic>
                     <p:nvPicPr>
@@ -7244,7 +7244,7 @@
                       <p:nvPr/>
                     </p:nvPicPr>
                     <p:blipFill>
-                      <a:blip r:embed="rId4">
+                      <a:blip r:embed="rId3">
                         <a:extLst>
                           <a:ext uri="{28A0092B-C50C-407E-A947-70E740481C1C}">
                             <a14:useLocalDpi xmlns:a14="http://schemas.microsoft.com/office/drawing/2010/main" val="0"/>
@@ -7684,12 +7684,12 @@
             <a:graphicData uri="http://schemas.openxmlformats.org/presentationml/2006/ole">
               <mc:AlternateContent xmlns:mc="http://schemas.openxmlformats.org/markup-compatibility/2006">
                 <mc:Choice xmlns:v="urn:schemas-microsoft-com:vml" Requires="v">
-                  <p:oleObj spid="_x0000_s20696" r:id="rId3" imgW="6057900" imgH="4025900" progId="Word.Document.8">
+                  <p:oleObj r:id="rId2" imgW="6057900" imgH="4025900" progId="Word.Document.8">
                     <p:embed/>
                   </p:oleObj>
                 </mc:Choice>
                 <mc:Fallback>
-                  <p:oleObj r:id="rId3" imgW="6057900" imgH="4025900" progId="Word.Document.8">
+                  <p:oleObj r:id="rId2" imgW="6057900" imgH="4025900" progId="Word.Document.8">
                     <p:embed/>
                     <p:pic>
                       <p:nvPicPr>
@@ -7700,7 +7700,7 @@
                         <p:nvPr/>
                       </p:nvPicPr>
                       <p:blipFill>
-                        <a:blip r:embed="rId4">
+                        <a:blip r:embed="rId3">
                           <a:extLst>
                             <a:ext uri="{28A0092B-C50C-407E-A947-70E740481C1C}">
                               <a14:useLocalDpi xmlns:a14="http://schemas.microsoft.com/office/drawing/2010/main" val="0"/>
@@ -7766,7 +7766,7 @@
             <p:nvPr/>
           </p:nvPicPr>
           <p:blipFill>
-            <a:blip r:embed="rId5">
+            <a:blip r:embed="rId4">
               <a:extLst>
                 <a:ext uri="{28A0092B-C50C-407E-A947-70E740481C1C}">
                   <a14:useLocalDpi xmlns:a14="http://schemas.microsoft.com/office/drawing/2010/main" val="0"/>
@@ -7822,7 +7822,7 @@
           <p:nvPr/>
         </p:nvPicPr>
         <p:blipFill>
-          <a:blip r:embed="rId5">
+          <a:blip r:embed="rId4">
             <a:extLst>
               <a:ext uri="{28A0092B-C50C-407E-A947-70E740481C1C}">
                 <a14:useLocalDpi xmlns:a14="http://schemas.microsoft.com/office/drawing/2010/main" val="0"/>
@@ -8384,7 +8384,7 @@
           <a:graphicData uri="http://schemas.openxmlformats.org/presentationml/2006/ole">
             <mc:AlternateContent xmlns:mc="http://schemas.openxmlformats.org/markup-compatibility/2006">
               <mc:Choice xmlns:v="urn:schemas-microsoft-com:vml" Requires="v">
-                <p:oleObj spid="_x0000_s21716" r:id="rId4" imgW="2628900" imgH="4102100" progId="Equation.DSMT4">
+                <p:oleObj r:id="rId4" imgW="2628900" imgH="4102100" progId="Equation.DSMT4">
                   <p:embed/>
                 </p:oleObj>
               </mc:Choice>
@@ -9436,12 +9436,12 @@
           <a:graphicData uri="http://schemas.openxmlformats.org/presentationml/2006/ole">
             <mc:AlternateContent xmlns:mc="http://schemas.openxmlformats.org/markup-compatibility/2006">
               <mc:Choice xmlns:v="urn:schemas-microsoft-com:vml" Requires="v">
-                <p:oleObj spid="_x0000_s23765" r:id="rId3" imgW="3962400" imgH="2933700" progId="Word.Document.8">
+                <p:oleObj r:id="rId2" imgW="3962400" imgH="2933700" progId="Word.Document.8">
                   <p:embed/>
                 </p:oleObj>
               </mc:Choice>
               <mc:Fallback>
-                <p:oleObj r:id="rId3" imgW="3962400" imgH="2933700" progId="Word.Document.8">
+                <p:oleObj r:id="rId2" imgW="3962400" imgH="2933700" progId="Word.Document.8">
                   <p:embed/>
                   <p:pic>
                     <p:nvPicPr>
@@ -9452,7 +9452,7 @@
                       <p:nvPr/>
                     </p:nvPicPr>
                     <p:blipFill>
-                      <a:blip r:embed="rId4">
+                      <a:blip r:embed="rId3">
                         <a:extLst>
                           <a:ext uri="{28A0092B-C50C-407E-A947-70E740481C1C}">
                             <a14:useLocalDpi xmlns:a14="http://schemas.microsoft.com/office/drawing/2010/main" val="0"/>
@@ -10779,7 +10779,7 @@
           <a:graphicData uri="http://schemas.openxmlformats.org/presentationml/2006/ole">
             <mc:AlternateContent xmlns:mc="http://schemas.openxmlformats.org/markup-compatibility/2006">
               <mc:Choice xmlns:v="urn:schemas-microsoft-com:vml" Requires="v">
-                <p:oleObj spid="_x0000_s26018" r:id="rId4" imgW="3505200" imgH="3505200" progId="Equation.DSMT4">
+                <p:oleObj r:id="rId4" imgW="3505200" imgH="3505200" progId="Equation.DSMT4">
                   <p:embed/>
                 </p:oleObj>
               </mc:Choice>
@@ -10860,7 +10860,7 @@
           <a:graphicData uri="http://schemas.openxmlformats.org/presentationml/2006/ole">
             <mc:AlternateContent xmlns:mc="http://schemas.openxmlformats.org/markup-compatibility/2006">
               <mc:Choice xmlns:v="urn:schemas-microsoft-com:vml" Requires="v">
-                <p:oleObj spid="_x0000_s26019" r:id="rId6" imgW="3505200" imgH="3505200" progId="Equation.DSMT4">
+                <p:oleObj r:id="rId6" imgW="3505200" imgH="3505200" progId="Equation.DSMT4">
                   <p:embed/>
                 </p:oleObj>
               </mc:Choice>
@@ -10977,12 +10977,12 @@
           <a:graphicData uri="http://schemas.openxmlformats.org/presentationml/2006/ole">
             <mc:AlternateContent xmlns:mc="http://schemas.openxmlformats.org/markup-compatibility/2006">
               <mc:Choice xmlns:v="urn:schemas-microsoft-com:vml" Requires="v">
-                <p:oleObj spid="_x0000_s26837" r:id="rId3" imgW="6096000" imgH="4051300" progId="Word.Document.8">
+                <p:oleObj r:id="rId2" imgW="6096000" imgH="4051300" progId="Word.Document.8">
                   <p:embed/>
                 </p:oleObj>
               </mc:Choice>
               <mc:Fallback>
-                <p:oleObj r:id="rId3" imgW="6096000" imgH="4051300" progId="Word.Document.8">
+                <p:oleObj r:id="rId2" imgW="6096000" imgH="4051300" progId="Word.Document.8">
                   <p:embed/>
                   <p:pic>
                     <p:nvPicPr>
@@ -10993,7 +10993,7 @@
                       <p:nvPr/>
                     </p:nvPicPr>
                     <p:blipFill>
-                      <a:blip r:embed="rId4">
+                      <a:blip r:embed="rId3">
                         <a:extLst>
                           <a:ext uri="{28A0092B-C50C-407E-A947-70E740481C1C}">
                             <a14:useLocalDpi xmlns:a14="http://schemas.microsoft.com/office/drawing/2010/main" val="0"/>
@@ -11813,12 +11813,12 @@
           <a:graphicData uri="http://schemas.openxmlformats.org/presentationml/2006/ole">
             <mc:AlternateContent xmlns:mc="http://schemas.openxmlformats.org/markup-compatibility/2006">
               <mc:Choice xmlns:v="urn:schemas-microsoft-com:vml" Requires="v">
-                <p:oleObj spid="_x0000_s28882" r:id="rId3" imgW="3505200" imgH="3505200" progId="Equation.DSMT4">
+                <p:oleObj r:id="rId2" imgW="3505200" imgH="3505200" progId="Equation.DSMT4">
                   <p:embed/>
                 </p:oleObj>
               </mc:Choice>
               <mc:Fallback>
-                <p:oleObj r:id="rId3" imgW="3505200" imgH="3505200" progId="Equation.DSMT4">
+                <p:oleObj r:id="rId2" imgW="3505200" imgH="3505200" progId="Equation.DSMT4">
                   <p:embed/>
                   <p:pic>
                     <p:nvPicPr>
@@ -11829,7 +11829,7 @@
                       <p:nvPr/>
                     </p:nvPicPr>
                     <p:blipFill>
-                      <a:blip r:embed="rId4">
+                      <a:blip r:embed="rId3">
                         <a:extLst>
                           <a:ext uri="{28A0092B-C50C-407E-A947-70E740481C1C}">
                             <a14:useLocalDpi xmlns:a14="http://schemas.microsoft.com/office/drawing/2010/main" val="0"/>
@@ -12407,12 +12407,12 @@
           <a:graphicData uri="http://schemas.openxmlformats.org/presentationml/2006/ole">
             <mc:AlternateContent xmlns:mc="http://schemas.openxmlformats.org/markup-compatibility/2006">
               <mc:Choice xmlns:v="urn:schemas-microsoft-com:vml" Requires="v">
-                <p:oleObj spid="_x0000_s32163" r:id="rId3" imgW="2159000" imgH="1689100" progId="Visio.Drawing.4">
+                <p:oleObj r:id="rId2" imgW="2159000" imgH="1689100" progId="Visio.Drawing.4">
                   <p:embed/>
                 </p:oleObj>
               </mc:Choice>
               <mc:Fallback>
-                <p:oleObj r:id="rId3" imgW="2159000" imgH="1689100" progId="Visio.Drawing.4">
+                <p:oleObj r:id="rId2" imgW="2159000" imgH="1689100" progId="Visio.Drawing.4">
                   <p:embed/>
                   <p:pic>
                     <p:nvPicPr>
@@ -12423,7 +12423,7 @@
                       <p:nvPr/>
                     </p:nvPicPr>
                     <p:blipFill>
-                      <a:blip r:embed="rId4">
+                      <a:blip r:embed="rId3">
                         <a:extLst>
                           <a:ext uri="{28A0092B-C50C-407E-A947-70E740481C1C}">
                             <a14:useLocalDpi xmlns:a14="http://schemas.microsoft.com/office/drawing/2010/main" val="0"/>
@@ -12496,12 +12496,12 @@
           <a:graphicData uri="http://schemas.openxmlformats.org/presentationml/2006/ole">
             <mc:AlternateContent xmlns:mc="http://schemas.openxmlformats.org/markup-compatibility/2006">
               <mc:Choice xmlns:v="urn:schemas-microsoft-com:vml" Requires="v">
-                <p:oleObj spid="_x0000_s32164" r:id="rId5" imgW="1816100" imgH="1549400" progId="Visio.Drawing.4">
+                <p:oleObj r:id="rId4" imgW="1816100" imgH="1549400" progId="Visio.Drawing.4">
                   <p:embed/>
                 </p:oleObj>
               </mc:Choice>
               <mc:Fallback>
-                <p:oleObj r:id="rId5" imgW="1816100" imgH="1549400" progId="Visio.Drawing.4">
+                <p:oleObj r:id="rId4" imgW="1816100" imgH="1549400" progId="Visio.Drawing.4">
                   <p:embed/>
                   <p:pic>
                     <p:nvPicPr>
@@ -12512,7 +12512,7 @@
                       <p:nvPr/>
                     </p:nvPicPr>
                     <p:blipFill>
-                      <a:blip r:embed="rId6">
+                      <a:blip r:embed="rId5">
                         <a:extLst>
                           <a:ext uri="{28A0092B-C50C-407E-A947-70E740481C1C}">
                             <a14:useLocalDpi xmlns:a14="http://schemas.microsoft.com/office/drawing/2010/main" val="0"/>
@@ -12788,12 +12788,12 @@
           <a:graphicData uri="http://schemas.openxmlformats.org/presentationml/2006/ole">
             <mc:AlternateContent xmlns:mc="http://schemas.openxmlformats.org/markup-compatibility/2006">
               <mc:Choice xmlns:v="urn:schemas-microsoft-com:vml" Requires="v">
-                <p:oleObj spid="_x0000_s33186" r:id="rId3" imgW="2628900" imgH="1676400" progId="Visio.Drawing.4">
+                <p:oleObj r:id="rId2" imgW="2628900" imgH="1676400" progId="Visio.Drawing.4">
                   <p:embed/>
                 </p:oleObj>
               </mc:Choice>
               <mc:Fallback>
-                <p:oleObj r:id="rId3" imgW="2628900" imgH="1676400" progId="Visio.Drawing.4">
+                <p:oleObj r:id="rId2" imgW="2628900" imgH="1676400" progId="Visio.Drawing.4">
                   <p:embed/>
                   <p:pic>
                     <p:nvPicPr>
@@ -12804,7 +12804,7 @@
                       <p:nvPr/>
                     </p:nvPicPr>
                     <p:blipFill>
-                      <a:blip r:embed="rId4">
+                      <a:blip r:embed="rId3">
                         <a:extLst>
                           <a:ext uri="{28A0092B-C50C-407E-A947-70E740481C1C}">
                             <a14:useLocalDpi xmlns:a14="http://schemas.microsoft.com/office/drawing/2010/main" val="0"/>
@@ -12877,12 +12877,12 @@
           <a:graphicData uri="http://schemas.openxmlformats.org/presentationml/2006/ole">
             <mc:AlternateContent xmlns:mc="http://schemas.openxmlformats.org/markup-compatibility/2006">
               <mc:Choice xmlns:v="urn:schemas-microsoft-com:vml" Requires="v">
-                <p:oleObj spid="_x0000_s33187" r:id="rId5" imgW="2159000" imgH="1549400" progId="Visio.Drawing.4">
+                <p:oleObj r:id="rId4" imgW="2159000" imgH="1549400" progId="Visio.Drawing.4">
                   <p:embed/>
                 </p:oleObj>
               </mc:Choice>
               <mc:Fallback>
-                <p:oleObj r:id="rId5" imgW="2159000" imgH="1549400" progId="Visio.Drawing.4">
+                <p:oleObj r:id="rId4" imgW="2159000" imgH="1549400" progId="Visio.Drawing.4">
                   <p:embed/>
                   <p:pic>
                     <p:nvPicPr>
@@ -12893,7 +12893,7 @@
                       <p:nvPr/>
                     </p:nvPicPr>
                     <p:blipFill>
-                      <a:blip r:embed="rId6">
+                      <a:blip r:embed="rId5">
                         <a:extLst>
                           <a:ext uri="{28A0092B-C50C-407E-A947-70E740481C1C}">
                             <a14:useLocalDpi xmlns:a14="http://schemas.microsoft.com/office/drawing/2010/main" val="0"/>
@@ -13816,12 +13816,12 @@
           <a:graphicData uri="http://schemas.openxmlformats.org/presentationml/2006/ole">
             <mc:AlternateContent xmlns:mc="http://schemas.openxmlformats.org/markup-compatibility/2006">
               <mc:Choice xmlns:v="urn:schemas-microsoft-com:vml" Requires="v">
-                <p:oleObj spid="_x0000_s34229" r:id="rId3" imgW="3505200" imgH="3505200" progId="Equation.DSMT4">
+                <p:oleObj r:id="rId2" imgW="3505200" imgH="3505200" progId="Equation.DSMT4">
                   <p:embed/>
                 </p:oleObj>
               </mc:Choice>
               <mc:Fallback>
-                <p:oleObj r:id="rId3" imgW="3505200" imgH="3505200" progId="Equation.DSMT4">
+                <p:oleObj r:id="rId2" imgW="3505200" imgH="3505200" progId="Equation.DSMT4">
                   <p:embed/>
                   <p:pic>
                     <p:nvPicPr>
@@ -13832,7 +13832,7 @@
                       <p:nvPr/>
                     </p:nvPicPr>
                     <p:blipFill>
-                      <a:blip r:embed="rId4">
+                      <a:blip r:embed="rId3">
                         <a:extLst>
                           <a:ext uri="{28A0092B-C50C-407E-A947-70E740481C1C}">
                             <a14:useLocalDpi xmlns:a14="http://schemas.microsoft.com/office/drawing/2010/main" val="0"/>
@@ -13905,12 +13905,12 @@
           <a:graphicData uri="http://schemas.openxmlformats.org/presentationml/2006/ole">
             <mc:AlternateContent xmlns:mc="http://schemas.openxmlformats.org/markup-compatibility/2006">
               <mc:Choice xmlns:v="urn:schemas-microsoft-com:vml" Requires="v">
-                <p:oleObj spid="_x0000_s34230" r:id="rId5" imgW="10820400" imgH="10528300" progId="Equation.DSMT4">
+                <p:oleObj r:id="rId4" imgW="10820400" imgH="10528300" progId="Equation.DSMT4">
                   <p:embed/>
                 </p:oleObj>
               </mc:Choice>
               <mc:Fallback>
-                <p:oleObj r:id="rId5" imgW="10820400" imgH="10528300" progId="Equation.DSMT4">
+                <p:oleObj r:id="rId4" imgW="10820400" imgH="10528300" progId="Equation.DSMT4">
                   <p:embed/>
                   <p:pic>
                     <p:nvPicPr>
@@ -13921,7 +13921,7 @@
                       <p:nvPr/>
                     </p:nvPicPr>
                     <p:blipFill>
-                      <a:blip r:embed="rId6">
+                      <a:blip r:embed="rId5">
                         <a:extLst>
                           <a:ext uri="{28A0092B-C50C-407E-A947-70E740481C1C}">
                             <a14:useLocalDpi xmlns:a14="http://schemas.microsoft.com/office/drawing/2010/main" val="0"/>
@@ -14351,12 +14351,12 @@
           <a:graphicData uri="http://schemas.openxmlformats.org/presentationml/2006/ole">
             <mc:AlternateContent xmlns:mc="http://schemas.openxmlformats.org/markup-compatibility/2006">
               <mc:Choice xmlns:v="urn:schemas-microsoft-com:vml" Requires="v">
-                <p:oleObj spid="_x0000_s35027" r:id="rId3" imgW="62611000" imgH="42710100" progId="Equation.DSMT4">
+                <p:oleObj r:id="rId2" imgW="62611000" imgH="42710100" progId="Equation.DSMT4">
                   <p:embed/>
                 </p:oleObj>
               </mc:Choice>
               <mc:Fallback>
-                <p:oleObj r:id="rId3" imgW="62611000" imgH="42710100" progId="Equation.DSMT4">
+                <p:oleObj r:id="rId2" imgW="62611000" imgH="42710100" progId="Equation.DSMT4">
                   <p:embed/>
                   <p:pic>
                     <p:nvPicPr>
@@ -14367,7 +14367,7 @@
                       <p:nvPr/>
                     </p:nvPicPr>
                     <p:blipFill>
-                      <a:blip r:embed="rId4">
+                      <a:blip r:embed="rId3">
                         <a:extLst>
                           <a:ext uri="{28A0092B-C50C-407E-A947-70E740481C1C}">
                             <a14:useLocalDpi xmlns:a14="http://schemas.microsoft.com/office/drawing/2010/main" val="0"/>
@@ -15140,12 +15140,12 @@
           <a:graphicData uri="http://schemas.openxmlformats.org/presentationml/2006/ole">
             <mc:AlternateContent xmlns:mc="http://schemas.openxmlformats.org/markup-compatibility/2006">
               <mc:Choice xmlns:v="urn:schemas-microsoft-com:vml" Requires="v">
-                <p:oleObj spid="_x0000_s38098" r:id="rId3" imgW="2921000" imgH="3505200" progId="Equation.DSMT4">
+                <p:oleObj r:id="rId2" imgW="2921000" imgH="3505200" progId="Equation.DSMT4">
                   <p:embed/>
                 </p:oleObj>
               </mc:Choice>
               <mc:Fallback>
-                <p:oleObj r:id="rId3" imgW="2921000" imgH="3505200" progId="Equation.DSMT4">
+                <p:oleObj r:id="rId2" imgW="2921000" imgH="3505200" progId="Equation.DSMT4">
                   <p:embed/>
                   <p:pic>
                     <p:nvPicPr>
@@ -15156,7 +15156,7 @@
                       <p:nvPr/>
                     </p:nvPicPr>
                     <p:blipFill>
-                      <a:blip r:embed="rId4">
+                      <a:blip r:embed="rId3">
                         <a:extLst>
                           <a:ext uri="{28A0092B-C50C-407E-A947-70E740481C1C}">
                             <a14:useLocalDpi xmlns:a14="http://schemas.microsoft.com/office/drawing/2010/main" val="0"/>
@@ -15610,12 +15610,12 @@
           <a:graphicData uri="http://schemas.openxmlformats.org/presentationml/2006/ole">
             <mc:AlternateContent xmlns:mc="http://schemas.openxmlformats.org/markup-compatibility/2006">
               <mc:Choice xmlns:v="urn:schemas-microsoft-com:vml" Requires="v">
-                <p:oleObj spid="_x0000_s39538" r:id="rId3" imgW="2921000" imgH="3505200" progId="Equation.DSMT4">
+                <p:oleObj r:id="rId2" imgW="2921000" imgH="3505200" progId="Equation.DSMT4">
                   <p:embed/>
                 </p:oleObj>
               </mc:Choice>
               <mc:Fallback>
-                <p:oleObj r:id="rId3" imgW="2921000" imgH="3505200" progId="Equation.DSMT4">
+                <p:oleObj r:id="rId2" imgW="2921000" imgH="3505200" progId="Equation.DSMT4">
                   <p:embed/>
                   <p:pic>
                     <p:nvPicPr>
@@ -15626,7 +15626,7 @@
                       <p:nvPr/>
                     </p:nvPicPr>
                     <p:blipFill>
-                      <a:blip r:embed="rId4">
+                      <a:blip r:embed="rId3">
                         <a:extLst>
                           <a:ext uri="{28A0092B-C50C-407E-A947-70E740481C1C}">
                             <a14:useLocalDpi xmlns:a14="http://schemas.microsoft.com/office/drawing/2010/main" val="0"/>
@@ -15699,12 +15699,12 @@
           <a:graphicData uri="http://schemas.openxmlformats.org/presentationml/2006/ole">
             <mc:AlternateContent xmlns:mc="http://schemas.openxmlformats.org/markup-compatibility/2006">
               <mc:Choice xmlns:v="urn:schemas-microsoft-com:vml" Requires="v">
-                <p:oleObj spid="_x0000_s39539" r:id="rId5" imgW="3505200" imgH="3505200" progId="Equation.DSMT4">
+                <p:oleObj r:id="rId4" imgW="3505200" imgH="3505200" progId="Equation.DSMT4">
                   <p:embed/>
                 </p:oleObj>
               </mc:Choice>
               <mc:Fallback>
-                <p:oleObj r:id="rId5" imgW="3505200" imgH="3505200" progId="Equation.DSMT4">
+                <p:oleObj r:id="rId4" imgW="3505200" imgH="3505200" progId="Equation.DSMT4">
                   <p:embed/>
                   <p:pic>
                     <p:nvPicPr>
@@ -15715,7 +15715,7 @@
                       <p:nvPr/>
                     </p:nvPicPr>
                     <p:blipFill>
-                      <a:blip r:embed="rId6">
+                      <a:blip r:embed="rId5">
                         <a:extLst>
                           <a:ext uri="{28A0092B-C50C-407E-A947-70E740481C1C}">
                             <a14:useLocalDpi xmlns:a14="http://schemas.microsoft.com/office/drawing/2010/main" val="0"/>
@@ -15788,12 +15788,12 @@
           <a:graphicData uri="http://schemas.openxmlformats.org/presentationml/2006/ole">
             <mc:AlternateContent xmlns:mc="http://schemas.openxmlformats.org/markup-compatibility/2006">
               <mc:Choice xmlns:v="urn:schemas-microsoft-com:vml" Requires="v">
-                <p:oleObj spid="_x0000_s39540" r:id="rId7" imgW="3505200" imgH="3505200" progId="Equation.DSMT4">
+                <p:oleObj r:id="rId6" imgW="3505200" imgH="3505200" progId="Equation.DSMT4">
                   <p:embed/>
                 </p:oleObj>
               </mc:Choice>
               <mc:Fallback>
-                <p:oleObj r:id="rId7" imgW="3505200" imgH="3505200" progId="Equation.DSMT4">
+                <p:oleObj r:id="rId6" imgW="3505200" imgH="3505200" progId="Equation.DSMT4">
                   <p:embed/>
                   <p:pic>
                     <p:nvPicPr>
@@ -15804,7 +15804,7 @@
                       <p:nvPr/>
                     </p:nvPicPr>
                     <p:blipFill>
-                      <a:blip r:embed="rId6">
+                      <a:blip r:embed="rId5">
                         <a:extLst>
                           <a:ext uri="{28A0092B-C50C-407E-A947-70E740481C1C}">
                             <a14:useLocalDpi xmlns:a14="http://schemas.microsoft.com/office/drawing/2010/main" val="0"/>
@@ -16547,12 +16547,12 @@
           <a:graphicData uri="http://schemas.openxmlformats.org/presentationml/2006/ole">
             <mc:AlternateContent xmlns:mc="http://schemas.openxmlformats.org/markup-compatibility/2006">
               <mc:Choice xmlns:v="urn:schemas-microsoft-com:vml" Requires="v">
-                <p:oleObj spid="_x0000_s41170" r:id="rId3" imgW="3797300" imgH="1549400" progId="Visio.Drawing.4">
+                <p:oleObj r:id="rId2" imgW="3797300" imgH="1549400" progId="Visio.Drawing.4">
                   <p:embed/>
                 </p:oleObj>
               </mc:Choice>
               <mc:Fallback>
-                <p:oleObj r:id="rId3" imgW="3797300" imgH="1549400" progId="Visio.Drawing.4">
+                <p:oleObj r:id="rId2" imgW="3797300" imgH="1549400" progId="Visio.Drawing.4">
                   <p:embed/>
                   <p:pic>
                     <p:nvPicPr>
@@ -16569,7 +16569,7 @@
                       <p:nvPr/>
                     </p:nvPicPr>
                     <p:blipFill>
-                      <a:blip r:embed="rId4">
+                      <a:blip r:embed="rId3">
                         <a:extLst>
                           <a:ext uri="{28A0092B-C50C-407E-A947-70E740481C1C}">
                             <a14:useLocalDpi xmlns:a14="http://schemas.microsoft.com/office/drawing/2010/main" val="0"/>
@@ -16629,8 +16629,8 @@
           <a:chExt cx="0" cy="0"/>
         </a:xfrm>
       </p:grpSpPr>
-      <mc:AlternateContent xmlns:mc="http://schemas.openxmlformats.org/markup-compatibility/2006">
-        <mc:Choice xmlns:a14="http://schemas.microsoft.com/office/drawing/2010/main" Requires="a14">
+      <mc:AlternateContent xmlns:mc="http://schemas.openxmlformats.org/markup-compatibility/2006" xmlns:a14="http://schemas.microsoft.com/office/drawing/2010/main">
+        <mc:Choice Requires="a14">
           <p:sp>
             <p:nvSpPr>
               <p:cNvPr id="41985" name="Rectangle 3">
@@ -17091,7 +17091,7 @@
             </p:txBody>
           </p:sp>
         </mc:Choice>
-        <mc:Fallback>
+        <mc:Fallback xmlns="">
           <p:sp>
             <p:nvSpPr>
               <p:cNvPr id="41985" name="Rectangle 3">
@@ -17592,12 +17592,12 @@
           <a:graphicData uri="http://schemas.openxmlformats.org/presentationml/2006/ole">
             <mc:AlternateContent xmlns:mc="http://schemas.openxmlformats.org/markup-compatibility/2006">
               <mc:Choice xmlns:v="urn:schemas-microsoft-com:vml" Requires="v">
-                <p:oleObj spid="_x0000_s43218" r:id="rId3" imgW="3797300" imgH="4102100" progId="Equation.DSMT4">
+                <p:oleObj r:id="rId2" imgW="3797300" imgH="4102100" progId="Equation.DSMT4">
                   <p:embed/>
                 </p:oleObj>
               </mc:Choice>
               <mc:Fallback>
-                <p:oleObj r:id="rId3" imgW="3797300" imgH="4102100" progId="Equation.DSMT4">
+                <p:oleObj r:id="rId2" imgW="3797300" imgH="4102100" progId="Equation.DSMT4">
                   <p:embed/>
                   <p:pic>
                     <p:nvPicPr>
@@ -17608,7 +17608,7 @@
                       <p:nvPr/>
                     </p:nvPicPr>
                     <p:blipFill>
-                      <a:blip r:embed="rId4">
+                      <a:blip r:embed="rId3">
                         <a:extLst>
                           <a:ext uri="{28A0092B-C50C-407E-A947-70E740481C1C}">
                             <a14:useLocalDpi xmlns:a14="http://schemas.microsoft.com/office/drawing/2010/main" val="0"/>
@@ -18191,12 +18191,12 @@
           <a:graphicData uri="http://schemas.openxmlformats.org/presentationml/2006/ole">
             <mc:AlternateContent xmlns:mc="http://schemas.openxmlformats.org/markup-compatibility/2006">
               <mc:Choice xmlns:v="urn:schemas-microsoft-com:vml" Requires="v">
-                <p:oleObj spid="_x0000_s44242" r:id="rId3" imgW="3797300" imgH="4102100" progId="Equation.DSMT4">
+                <p:oleObj r:id="rId2" imgW="3797300" imgH="4102100" progId="Equation.DSMT4">
                   <p:embed/>
                 </p:oleObj>
               </mc:Choice>
               <mc:Fallback>
-                <p:oleObj r:id="rId3" imgW="3797300" imgH="4102100" progId="Equation.DSMT4">
+                <p:oleObj r:id="rId2" imgW="3797300" imgH="4102100" progId="Equation.DSMT4">
                   <p:embed/>
                   <p:pic>
                     <p:nvPicPr>
@@ -18207,7 +18207,7 @@
                       <p:nvPr/>
                     </p:nvPicPr>
                     <p:blipFill>
-                      <a:blip r:embed="rId4">
+                      <a:blip r:embed="rId3">
                         <a:extLst>
                           <a:ext uri="{28A0092B-C50C-407E-A947-70E740481C1C}">
                             <a14:useLocalDpi xmlns:a14="http://schemas.microsoft.com/office/drawing/2010/main" val="0"/>
@@ -18404,12 +18404,12 @@
           <a:graphicData uri="http://schemas.openxmlformats.org/presentationml/2006/ole">
             <mc:AlternateContent xmlns:mc="http://schemas.openxmlformats.org/markup-compatibility/2006">
               <mc:Choice xmlns:v="urn:schemas-microsoft-com:vml" Requires="v">
-                <p:oleObj spid="_x0000_s45478" r:id="rId3" imgW="4686300" imgH="3505200" progId="Equation.DSMT4">
+                <p:oleObj r:id="rId2" imgW="4686300" imgH="3505200" progId="Equation.DSMT4">
                   <p:embed/>
                 </p:oleObj>
               </mc:Choice>
               <mc:Fallback>
-                <p:oleObj r:id="rId3" imgW="4686300" imgH="3505200" progId="Equation.DSMT4">
+                <p:oleObj r:id="rId2" imgW="4686300" imgH="3505200" progId="Equation.DSMT4">
                   <p:embed/>
                   <p:pic>
                     <p:nvPicPr>
@@ -18420,7 +18420,7 @@
                       <p:nvPr/>
                     </p:nvPicPr>
                     <p:blipFill>
-                      <a:blip r:embed="rId4">
+                      <a:blip r:embed="rId3">
                         <a:extLst>
                           <a:ext uri="{28A0092B-C50C-407E-A947-70E740481C1C}">
                             <a14:useLocalDpi xmlns:a14="http://schemas.microsoft.com/office/drawing/2010/main" val="0"/>
@@ -18493,12 +18493,12 @@
           <a:graphicData uri="http://schemas.openxmlformats.org/presentationml/2006/ole">
             <mc:AlternateContent xmlns:mc="http://schemas.openxmlformats.org/markup-compatibility/2006">
               <mc:Choice xmlns:v="urn:schemas-microsoft-com:vml" Requires="v">
-                <p:oleObj spid="_x0000_s45479" r:id="rId5" imgW="16383000" imgH="5562600" progId="Equation.DSMT4">
+                <p:oleObj r:id="rId4" imgW="16383000" imgH="5562600" progId="Equation.DSMT4">
                   <p:embed/>
                 </p:oleObj>
               </mc:Choice>
               <mc:Fallback>
-                <p:oleObj r:id="rId5" imgW="16383000" imgH="5562600" progId="Equation.DSMT4">
+                <p:oleObj r:id="rId4" imgW="16383000" imgH="5562600" progId="Equation.DSMT4">
                   <p:embed/>
                   <p:pic>
                     <p:nvPicPr>
@@ -18509,7 +18509,7 @@
                       <p:nvPr/>
                     </p:nvPicPr>
                     <p:blipFill>
-                      <a:blip r:embed="rId6">
+                      <a:blip r:embed="rId5">
                         <a:extLst>
                           <a:ext uri="{28A0092B-C50C-407E-A947-70E740481C1C}">
                             <a14:useLocalDpi xmlns:a14="http://schemas.microsoft.com/office/drawing/2010/main" val="0"/>
@@ -19990,7 +19990,7 @@
           <a:graphicData uri="http://schemas.openxmlformats.org/presentationml/2006/ole">
             <mc:AlternateContent xmlns:mc="http://schemas.openxmlformats.org/markup-compatibility/2006">
               <mc:Choice xmlns:v="urn:schemas-microsoft-com:vml" Requires="v">
-                <p:oleObj spid="_x0000_s46292" r:id="rId5" imgW="2921000" imgH="3505200" progId="Equation.3">
+                <p:oleObj r:id="rId5" imgW="2921000" imgH="3505200" progId="Equation.3">
                   <p:embed/>
                 </p:oleObj>
               </mc:Choice>
@@ -20427,7 +20427,7 @@
           <a:graphicData uri="http://schemas.openxmlformats.org/presentationml/2006/ole">
             <mc:AlternateContent xmlns:mc="http://schemas.openxmlformats.org/markup-compatibility/2006">
               <mc:Choice xmlns:v="urn:schemas-microsoft-com:vml" Requires="v">
-                <p:oleObj spid="_x0000_s47730" r:id="rId4" imgW="3505200" imgH="3505200" progId="Equation.DSMT4">
+                <p:oleObj r:id="rId4" imgW="3505200" imgH="3505200" progId="Equation.DSMT4">
                   <p:embed/>
                 </p:oleObj>
               </mc:Choice>
@@ -20516,7 +20516,7 @@
           <a:graphicData uri="http://schemas.openxmlformats.org/presentationml/2006/ole">
             <mc:AlternateContent xmlns:mc="http://schemas.openxmlformats.org/markup-compatibility/2006">
               <mc:Choice xmlns:v="urn:schemas-microsoft-com:vml" Requires="v">
-                <p:oleObj spid="_x0000_s47731" r:id="rId6" imgW="3505200" imgH="3505200" progId="Equation.DSMT4">
+                <p:oleObj r:id="rId6" imgW="3505200" imgH="3505200" progId="Equation.DSMT4">
                   <p:embed/>
                 </p:oleObj>
               </mc:Choice>
@@ -20605,7 +20605,7 @@
           <a:graphicData uri="http://schemas.openxmlformats.org/presentationml/2006/ole">
             <mc:AlternateContent xmlns:mc="http://schemas.openxmlformats.org/markup-compatibility/2006">
               <mc:Choice xmlns:v="urn:schemas-microsoft-com:vml" Requires="v">
-                <p:oleObj spid="_x0000_s47732" r:id="rId7" imgW="3505200" imgH="3505200" progId="Equation.DSMT4">
+                <p:oleObj r:id="rId7" imgW="3505200" imgH="3505200" progId="Equation.DSMT4">
                   <p:embed/>
                 </p:oleObj>
               </mc:Choice>
@@ -20794,12 +20794,12 @@
           <a:graphicData uri="http://schemas.openxmlformats.org/presentationml/2006/ole">
             <mc:AlternateContent xmlns:mc="http://schemas.openxmlformats.org/markup-compatibility/2006">
               <mc:Choice xmlns:v="urn:schemas-microsoft-com:vml" Requires="v">
-                <p:oleObj spid="_x0000_s48338" r:id="rId3" imgW="5168900" imgH="1981200" progId="Visio.Drawing.4">
+                <p:oleObj r:id="rId2" imgW="5168900" imgH="1981200" progId="Visio.Drawing.4">
                   <p:embed/>
                 </p:oleObj>
               </mc:Choice>
               <mc:Fallback>
-                <p:oleObj r:id="rId3" imgW="5168900" imgH="1981200" progId="Visio.Drawing.4">
+                <p:oleObj r:id="rId2" imgW="5168900" imgH="1981200" progId="Visio.Drawing.4">
                   <p:embed/>
                   <p:pic>
                     <p:nvPicPr>
@@ -20810,7 +20810,7 @@
                       <p:nvPr/>
                     </p:nvPicPr>
                     <p:blipFill>
-                      <a:blip r:embed="rId4">
+                      <a:blip r:embed="rId3">
                         <a:extLst>
                           <a:ext uri="{28A0092B-C50C-407E-A947-70E740481C1C}">
                             <a14:useLocalDpi xmlns:a14="http://schemas.microsoft.com/office/drawing/2010/main" val="0"/>
@@ -22686,8 +22686,8 @@
           <a:chExt cx="0" cy="0"/>
         </a:xfrm>
       </p:grpSpPr>
-      <mc:AlternateContent xmlns:mc="http://schemas.openxmlformats.org/markup-compatibility/2006">
-        <mc:Choice xmlns:a14="http://schemas.microsoft.com/office/drawing/2010/main" Requires="a14">
+      <mc:AlternateContent xmlns:mc="http://schemas.openxmlformats.org/markup-compatibility/2006" xmlns:a14="http://schemas.microsoft.com/office/drawing/2010/main">
+        <mc:Choice Requires="a14">
           <p:sp>
             <p:nvSpPr>
               <p:cNvPr id="51201" name="Text Box 4">
@@ -23338,7 +23338,7 @@
             </p:txBody>
           </p:sp>
         </mc:Choice>
-        <mc:Fallback>
+        <mc:Fallback xmlns="">
           <p:sp>
             <p:nvSpPr>
               <p:cNvPr id="51201" name="Text Box 4">
@@ -23433,7 +23433,7 @@
           <a:graphicData uri="http://schemas.openxmlformats.org/presentationml/2006/ole">
             <mc:AlternateContent xmlns:mc="http://schemas.openxmlformats.org/markup-compatibility/2006">
               <mc:Choice xmlns:v="urn:schemas-microsoft-com:vml" Requires="v">
-                <p:oleObj spid="_x0000_s52036" r:id="rId4" imgW="3797300" imgH="4102100" progId="Equation.DSMT4">
+                <p:oleObj r:id="rId4" imgW="3797300" imgH="4102100" progId="Equation.DSMT4">
                   <p:embed/>
                 </p:oleObj>
               </mc:Choice>
@@ -23528,7 +23528,7 @@
           <a:graphicData uri="http://schemas.openxmlformats.org/presentationml/2006/ole">
             <mc:AlternateContent xmlns:mc="http://schemas.openxmlformats.org/markup-compatibility/2006">
               <mc:Choice xmlns:v="urn:schemas-microsoft-com:vml" Requires="v">
-                <p:oleObj spid="_x0000_s52037" r:id="rId6" imgW="3797300" imgH="4102100" progId="Equation.DSMT4">
+                <p:oleObj r:id="rId6" imgW="3797300" imgH="4102100" progId="Equation.DSMT4">
                   <p:embed/>
                 </p:oleObj>
               </mc:Choice>
@@ -23673,7 +23673,7 @@
           <a:graphicData uri="http://schemas.openxmlformats.org/presentationml/2006/ole">
             <mc:AlternateContent xmlns:mc="http://schemas.openxmlformats.org/markup-compatibility/2006">
               <mc:Choice xmlns:v="urn:schemas-microsoft-com:vml" Requires="v">
-                <p:oleObj spid="_x0000_s52038" r:id="rId7" imgW="29845000" imgH="21069300" progId="Equation.3">
+                <p:oleObj r:id="rId7" imgW="29845000" imgH="21069300" progId="Equation.3">
                   <p:embed/>
                 </p:oleObj>
               </mc:Choice>
@@ -23818,7 +23818,7 @@
           <a:graphicData uri="http://schemas.openxmlformats.org/presentationml/2006/ole">
             <mc:AlternateContent xmlns:mc="http://schemas.openxmlformats.org/markup-compatibility/2006">
               <mc:Choice xmlns:v="urn:schemas-microsoft-com:vml" Requires="v">
-                <p:oleObj spid="_x0000_s52039" r:id="rId9" imgW="29845000" imgH="21069300" progId="Equation.3">
+                <p:oleObj r:id="rId9" imgW="29845000" imgH="21069300" progId="Equation.3">
                   <p:embed/>
                 </p:oleObj>
               </mc:Choice>
@@ -23935,12 +23935,12 @@
           <a:graphicData uri="http://schemas.openxmlformats.org/presentationml/2006/ole">
             <mc:AlternateContent xmlns:mc="http://schemas.openxmlformats.org/markup-compatibility/2006">
               <mc:Choice xmlns:v="urn:schemas-microsoft-com:vml" Requires="v">
-                <p:oleObj spid="_x0000_s52439" r:id="rId3" imgW="6121400" imgH="4127500" progId="Word.Document.8">
+                <p:oleObj r:id="rId2" imgW="6121400" imgH="4127500" progId="Word.Document.8">
                   <p:embed/>
                 </p:oleObj>
               </mc:Choice>
               <mc:Fallback>
-                <p:oleObj r:id="rId3" imgW="6121400" imgH="4127500" progId="Word.Document.8">
+                <p:oleObj r:id="rId2" imgW="6121400" imgH="4127500" progId="Word.Document.8">
                   <p:embed/>
                   <p:pic>
                     <p:nvPicPr>
@@ -23951,7 +23951,7 @@
                       <p:nvPr/>
                     </p:nvPicPr>
                     <p:blipFill>
-                      <a:blip r:embed="rId4">
+                      <a:blip r:embed="rId3">
                         <a:extLst>
                           <a:ext uri="{28A0092B-C50C-407E-A947-70E740481C1C}">
                             <a14:useLocalDpi xmlns:a14="http://schemas.microsoft.com/office/drawing/2010/main" val="0"/>
@@ -24017,7 +24017,7 @@
           <p:nvPr/>
         </p:nvPicPr>
         <p:blipFill>
-          <a:blip r:embed="rId5">
+          <a:blip r:embed="rId4">
             <a:extLst>
               <a:ext uri="{28A0092B-C50C-407E-A947-70E740481C1C}">
                 <a14:useLocalDpi xmlns:a14="http://schemas.microsoft.com/office/drawing/2010/main" val="0"/>
@@ -24077,7 +24077,7 @@
           <p:nvPr/>
         </p:nvPicPr>
         <p:blipFill>
-          <a:blip r:embed="rId5">
+          <a:blip r:embed="rId4">
             <a:extLst>
               <a:ext uri="{28A0092B-C50C-407E-A947-70E740481C1C}">
                 <a14:useLocalDpi xmlns:a14="http://schemas.microsoft.com/office/drawing/2010/main" val="0"/>
@@ -24293,12 +24293,12 @@
           <a:graphicData uri="http://schemas.openxmlformats.org/presentationml/2006/ole">
             <mc:AlternateContent xmlns:mc="http://schemas.openxmlformats.org/markup-compatibility/2006">
               <mc:Choice xmlns:v="urn:schemas-microsoft-com:vml" Requires="v">
-                <p:oleObj spid="_x0000_s53461" r:id="rId3" imgW="6096000" imgH="4089400" progId="Word.Document.8">
+                <p:oleObj r:id="rId2" imgW="6096000" imgH="4089400" progId="Word.Document.8">
                   <p:embed/>
                 </p:oleObj>
               </mc:Choice>
               <mc:Fallback>
-                <p:oleObj r:id="rId3" imgW="6096000" imgH="4089400" progId="Word.Document.8">
+                <p:oleObj r:id="rId2" imgW="6096000" imgH="4089400" progId="Word.Document.8">
                   <p:embed/>
                   <p:pic>
                     <p:nvPicPr>
@@ -24309,7 +24309,7 @@
                       <p:nvPr/>
                     </p:nvPicPr>
                     <p:blipFill>
-                      <a:blip r:embed="rId4">
+                      <a:blip r:embed="rId3">
                         <a:extLst>
                           <a:ext uri="{28A0092B-C50C-407E-A947-70E740481C1C}">
                             <a14:useLocalDpi xmlns:a14="http://schemas.microsoft.com/office/drawing/2010/main" val="0"/>
@@ -25386,12 +25386,12 @@
           <a:graphicData uri="http://schemas.openxmlformats.org/presentationml/2006/ole">
             <mc:AlternateContent xmlns:mc="http://schemas.openxmlformats.org/markup-compatibility/2006">
               <mc:Choice xmlns:v="urn:schemas-microsoft-com:vml" Requires="v">
-                <p:oleObj spid="_x0000_s54485" name="Document" r:id="rId3" imgW="6108700" imgH="2717800" progId="Word.Document.8">
+                <p:oleObj name="Document" r:id="rId2" imgW="6108700" imgH="2717800" progId="Word.Document.8">
                   <p:embed/>
                 </p:oleObj>
               </mc:Choice>
               <mc:Fallback>
-                <p:oleObj name="Document" r:id="rId3" imgW="6108700" imgH="2717800" progId="Word.Document.8">
+                <p:oleObj name="Document" r:id="rId2" imgW="6108700" imgH="2717800" progId="Word.Document.8">
                   <p:embed/>
                   <p:pic>
                     <p:nvPicPr>
@@ -25402,7 +25402,7 @@
                       <p:nvPr/>
                     </p:nvPicPr>
                     <p:blipFill>
-                      <a:blip r:embed="rId4"/>
+                      <a:blip r:embed="rId3"/>
                       <a:srcRect/>
                       <a:stretch>
                         <a:fillRect/>
@@ -25589,12 +25589,12 @@
           <a:graphicData uri="http://schemas.openxmlformats.org/presentationml/2006/ole">
             <mc:AlternateContent xmlns:mc="http://schemas.openxmlformats.org/markup-compatibility/2006">
               <mc:Choice xmlns:v="urn:schemas-microsoft-com:vml" Requires="v">
-                <p:oleObj spid="_x0000_s55509" name="Document" r:id="rId3" imgW="6146800" imgH="2743200" progId="Word.Document.8">
+                <p:oleObj name="Document" r:id="rId2" imgW="6146800" imgH="2743200" progId="Word.Document.8">
                   <p:embed/>
                 </p:oleObj>
               </mc:Choice>
               <mc:Fallback>
-                <p:oleObj name="Document" r:id="rId3" imgW="6146800" imgH="2743200" progId="Word.Document.8">
+                <p:oleObj name="Document" r:id="rId2" imgW="6146800" imgH="2743200" progId="Word.Document.8">
                   <p:embed/>
                   <p:pic>
                     <p:nvPicPr>
@@ -25605,7 +25605,7 @@
                       <p:nvPr/>
                     </p:nvPicPr>
                     <p:blipFill>
-                      <a:blip r:embed="rId4"/>
+                      <a:blip r:embed="rId3"/>
                       <a:srcRect/>
                       <a:stretch>
                         <a:fillRect/>
@@ -26344,12 +26344,12 @@
           <a:graphicData uri="http://schemas.openxmlformats.org/presentationml/2006/ole">
             <mc:AlternateContent xmlns:mc="http://schemas.openxmlformats.org/markup-compatibility/2006">
               <mc:Choice xmlns:v="urn:schemas-microsoft-com:vml" Requires="v">
-                <p:oleObj spid="_x0000_s56533" r:id="rId3" imgW="6096000" imgH="4064000" progId="Word.Document.8">
+                <p:oleObj r:id="rId2" imgW="6096000" imgH="4064000" progId="Word.Document.8">
                   <p:embed/>
                 </p:oleObj>
               </mc:Choice>
               <mc:Fallback>
-                <p:oleObj r:id="rId3" imgW="6096000" imgH="4064000" progId="Word.Document.8">
+                <p:oleObj r:id="rId2" imgW="6096000" imgH="4064000" progId="Word.Document.8">
                   <p:embed/>
                   <p:pic>
                     <p:nvPicPr>
@@ -26360,7 +26360,7 @@
                       <p:nvPr/>
                     </p:nvPicPr>
                     <p:blipFill>
-                      <a:blip r:embed="rId4">
+                      <a:blip r:embed="rId3">
                         <a:extLst>
                           <a:ext uri="{28A0092B-C50C-407E-A947-70E740481C1C}">
                             <a14:useLocalDpi xmlns:a14="http://schemas.microsoft.com/office/drawing/2010/main" val="0"/>
@@ -26467,12 +26467,12 @@
           <a:graphicData uri="http://schemas.openxmlformats.org/presentationml/2006/ole">
             <mc:AlternateContent xmlns:mc="http://schemas.openxmlformats.org/markup-compatibility/2006">
               <mc:Choice xmlns:v="urn:schemas-microsoft-com:vml" Requires="v">
-                <p:oleObj spid="_x0000_s57557" name="Document" r:id="rId3" imgW="6108700" imgH="2057400" progId="Word.Document.8">
+                <p:oleObj name="Document" r:id="rId2" imgW="6108700" imgH="2057400" progId="Word.Document.8">
                   <p:embed/>
                 </p:oleObj>
               </mc:Choice>
               <mc:Fallback>
-                <p:oleObj name="Document" r:id="rId3" imgW="6108700" imgH="2057400" progId="Word.Document.8">
+                <p:oleObj name="Document" r:id="rId2" imgW="6108700" imgH="2057400" progId="Word.Document.8">
                   <p:embed/>
                   <p:pic>
                     <p:nvPicPr>
@@ -26483,7 +26483,7 @@
                       <p:nvPr/>
                     </p:nvPicPr>
                     <p:blipFill>
-                      <a:blip r:embed="rId4"/>
+                      <a:blip r:embed="rId3"/>
                       <a:srcRect/>
                       <a:stretch>
                         <a:fillRect/>
@@ -27020,7 +27020,7 @@
           <a:graphicData uri="http://schemas.openxmlformats.org/presentationml/2006/ole">
             <mc:AlternateContent xmlns:mc="http://schemas.openxmlformats.org/markup-compatibility/2006">
               <mc:Choice xmlns:v="urn:schemas-microsoft-com:vml" Requires="v">
-                <p:oleObj spid="_x0000_s58578" r:id="rId4" imgW="3505200" imgH="3505200" progId="Equation.DSMT4">
+                <p:oleObj r:id="rId4" imgW="3505200" imgH="3505200" progId="Equation.DSMT4">
                   <p:embed/>
                 </p:oleObj>
               </mc:Choice>
@@ -27827,7 +27827,7 @@
           <a:graphicData uri="http://schemas.openxmlformats.org/presentationml/2006/ole">
             <mc:AlternateContent xmlns:mc="http://schemas.openxmlformats.org/markup-compatibility/2006">
               <mc:Choice xmlns:v="urn:schemas-microsoft-com:vml" Requires="v">
-                <p:oleObj spid="_x0000_s136896" r:id="rId4" imgW="3505200" imgH="3505200" progId="Equation.DSMT4">
+                <p:oleObj r:id="rId4" imgW="3505200" imgH="3505200" progId="Equation.DSMT4">
                   <p:embed/>
                 </p:oleObj>
               </mc:Choice>
@@ -27922,7 +27922,7 @@
           <a:graphicData uri="http://schemas.openxmlformats.org/presentationml/2006/ole">
             <mc:AlternateContent xmlns:mc="http://schemas.openxmlformats.org/markup-compatibility/2006">
               <mc:Choice xmlns:v="urn:schemas-microsoft-com:vml" Requires="v">
-                <p:oleObj spid="_x0000_s136897" r:id="rId6" imgW="3505200" imgH="3505200" progId="Equation.DSMT4">
+                <p:oleObj r:id="rId6" imgW="3505200" imgH="3505200" progId="Equation.DSMT4">
                   <p:embed/>
                 </p:oleObj>
               </mc:Choice>
@@ -28013,7 +28013,7 @@
           <a:graphicData uri="http://schemas.openxmlformats.org/presentationml/2006/ole">
             <mc:AlternateContent xmlns:mc="http://schemas.openxmlformats.org/markup-compatibility/2006">
               <mc:Choice xmlns:v="urn:schemas-microsoft-com:vml" Requires="v">
-                <p:oleObj spid="_x0000_s136898" r:id="rId7" imgW="3505200" imgH="3797300" progId="Equation.DSMT4">
+                <p:oleObj r:id="rId7" imgW="3505200" imgH="3797300" progId="Equation.DSMT4">
                   <p:embed/>
                 </p:oleObj>
               </mc:Choice>
@@ -28156,7 +28156,7 @@
           <a:graphicData uri="http://schemas.openxmlformats.org/presentationml/2006/ole">
             <mc:AlternateContent xmlns:mc="http://schemas.openxmlformats.org/markup-compatibility/2006">
               <mc:Choice xmlns:v="urn:schemas-microsoft-com:vml" Requires="v">
-                <p:oleObj spid="_x0000_s136899" r:id="rId9" imgW="7315200" imgH="3797300" progId="Equation.3">
+                <p:oleObj r:id="rId9" imgW="7315200" imgH="3797300" progId="Equation.3">
                   <p:embed/>
                 </p:oleObj>
               </mc:Choice>
@@ -28301,7 +28301,7 @@
           <a:graphicData uri="http://schemas.openxmlformats.org/presentationml/2006/ole">
             <mc:AlternateContent xmlns:mc="http://schemas.openxmlformats.org/markup-compatibility/2006">
               <mc:Choice xmlns:v="urn:schemas-microsoft-com:vml" Requires="v">
-                <p:oleObj spid="_x0000_s136900" r:id="rId11" imgW="7023100" imgH="3797300" progId="Equation.3">
+                <p:oleObj r:id="rId11" imgW="7023100" imgH="3797300" progId="Equation.3">
                   <p:embed/>
                 </p:oleObj>
               </mc:Choice>
@@ -28390,7 +28390,7 @@
           <a:graphicData uri="http://schemas.openxmlformats.org/presentationml/2006/ole">
             <mc:AlternateContent xmlns:mc="http://schemas.openxmlformats.org/markup-compatibility/2006">
               <mc:Choice xmlns:v="urn:schemas-microsoft-com:vml" Requires="v">
-                <p:oleObj spid="_x0000_s136901" r:id="rId13" imgW="7023100" imgH="3797300" progId="Equation.3">
+                <p:oleObj r:id="rId13" imgW="7023100" imgH="3797300" progId="Equation.3">
                   <p:embed/>
                 </p:oleObj>
               </mc:Choice>
@@ -28535,7 +28535,7 @@
           <a:graphicData uri="http://schemas.openxmlformats.org/presentationml/2006/ole">
             <mc:AlternateContent xmlns:mc="http://schemas.openxmlformats.org/markup-compatibility/2006">
               <mc:Choice xmlns:v="urn:schemas-microsoft-com:vml" Requires="v">
-                <p:oleObj spid="_x0000_s136902" r:id="rId14" imgW="3505200" imgH="3505200" progId="Equation.DSMT4">
+                <p:oleObj r:id="rId14" imgW="3505200" imgH="3505200" progId="Equation.DSMT4">
                   <p:embed/>
                 </p:oleObj>
               </mc:Choice>
@@ -28624,7 +28624,7 @@
           <a:graphicData uri="http://schemas.openxmlformats.org/presentationml/2006/ole">
             <mc:AlternateContent xmlns:mc="http://schemas.openxmlformats.org/markup-compatibility/2006">
               <mc:Choice xmlns:v="urn:schemas-microsoft-com:vml" Requires="v">
-                <p:oleObj spid="_x0000_s136903" r:id="rId15" imgW="7023100" imgH="3797300" progId="Equation.3">
+                <p:oleObj r:id="rId15" imgW="7023100" imgH="3797300" progId="Equation.3">
                   <p:embed/>
                 </p:oleObj>
               </mc:Choice>
@@ -28775,7 +28775,7 @@
           <a:graphicData uri="http://schemas.openxmlformats.org/presentationml/2006/ole">
             <mc:AlternateContent xmlns:mc="http://schemas.openxmlformats.org/markup-compatibility/2006">
               <mc:Choice xmlns:v="urn:schemas-microsoft-com:vml" Requires="v">
-                <p:oleObj spid="_x0000_s136904" r:id="rId7" imgW="3505200" imgH="3797300" progId="Equation.DSMT4">
+                <p:oleObj r:id="rId7" imgW="3505200" imgH="3797300" progId="Equation.DSMT4">
                   <p:embed/>
                 </p:oleObj>
               </mc:Choice>
@@ -29416,7 +29416,7 @@
           <a:graphicData uri="http://schemas.openxmlformats.org/presentationml/2006/ole">
             <mc:AlternateContent xmlns:mc="http://schemas.openxmlformats.org/markup-compatibility/2006">
               <mc:Choice xmlns:v="urn:schemas-microsoft-com:vml" Requires="v">
-                <p:oleObj spid="_x0000_s189666" r:id="rId4" imgW="3505200" imgH="3505200" progId="Equation.DSMT4">
+                <p:oleObj r:id="rId4" imgW="3505200" imgH="3505200" progId="Equation.DSMT4">
                   <p:embed/>
                 </p:oleObj>
               </mc:Choice>
@@ -29505,7 +29505,7 @@
           <a:graphicData uri="http://schemas.openxmlformats.org/presentationml/2006/ole">
             <mc:AlternateContent xmlns:mc="http://schemas.openxmlformats.org/markup-compatibility/2006">
               <mc:Choice xmlns:v="urn:schemas-microsoft-com:vml" Requires="v">
-                <p:oleObj spid="_x0000_s189667" r:id="rId6" imgW="3505200" imgH="3797300" progId="Equation.DSMT4">
+                <p:oleObj r:id="rId6" imgW="3505200" imgH="3797300" progId="Equation.DSMT4">
                   <p:embed/>
                 </p:oleObj>
               </mc:Choice>
@@ -29600,7 +29600,7 @@
           <a:graphicData uri="http://schemas.openxmlformats.org/presentationml/2006/ole">
             <mc:AlternateContent xmlns:mc="http://schemas.openxmlformats.org/markup-compatibility/2006">
               <mc:Choice xmlns:v="urn:schemas-microsoft-com:vml" Requires="v">
-                <p:oleObj spid="_x0000_s189668" r:id="rId8" imgW="7023100" imgH="3797300" progId="Equation.DSMT4">
+                <p:oleObj r:id="rId8" imgW="7023100" imgH="3797300" progId="Equation.DSMT4">
                   <p:embed/>
                 </p:oleObj>
               </mc:Choice>
@@ -29689,7 +29689,7 @@
           <a:graphicData uri="http://schemas.openxmlformats.org/presentationml/2006/ole">
             <mc:AlternateContent xmlns:mc="http://schemas.openxmlformats.org/markup-compatibility/2006">
               <mc:Choice xmlns:v="urn:schemas-microsoft-com:vml" Requires="v">
-                <p:oleObj spid="_x0000_s189669" r:id="rId10" imgW="4394200" imgH="3505200" progId="Equation.DSMT4">
+                <p:oleObj r:id="rId10" imgW="4394200" imgH="3505200" progId="Equation.DSMT4">
                   <p:embed/>
                 </p:oleObj>
               </mc:Choice>
@@ -29784,7 +29784,7 @@
           <a:graphicData uri="http://schemas.openxmlformats.org/presentationml/2006/ole">
             <mc:AlternateContent xmlns:mc="http://schemas.openxmlformats.org/markup-compatibility/2006">
               <mc:Choice xmlns:v="urn:schemas-microsoft-com:vml" Requires="v">
-                <p:oleObj spid="_x0000_s189670" r:id="rId12" imgW="3505200" imgH="3505200" progId="Equation.DSMT4">
+                <p:oleObj r:id="rId12" imgW="3505200" imgH="3505200" progId="Equation.DSMT4">
                   <p:embed/>
                 </p:oleObj>
               </mc:Choice>
@@ -29879,7 +29879,7 @@
           <a:graphicData uri="http://schemas.openxmlformats.org/presentationml/2006/ole">
             <mc:AlternateContent xmlns:mc="http://schemas.openxmlformats.org/markup-compatibility/2006">
               <mc:Choice xmlns:v="urn:schemas-microsoft-com:vml" Requires="v">
-                <p:oleObj spid="_x0000_s189671" r:id="rId13" imgW="3505200" imgH="3505200" progId="Equation.DSMT4">
+                <p:oleObj r:id="rId13" imgW="3505200" imgH="3505200" progId="Equation.DSMT4">
                   <p:embed/>
                 </p:oleObj>
               </mc:Choice>
@@ -30143,12 +30143,12 @@
           <a:graphicData uri="http://schemas.openxmlformats.org/presentationml/2006/ole">
             <mc:AlternateContent xmlns:mc="http://schemas.openxmlformats.org/markup-compatibility/2006">
               <mc:Choice xmlns:v="urn:schemas-microsoft-com:vml" Requires="v">
-                <p:oleObj spid="_x0000_s61653" name="Document" r:id="rId3" imgW="6134100" imgH="1371600" progId="Word.Document.8">
+                <p:oleObj name="Document" r:id="rId2" imgW="6134100" imgH="1371600" progId="Word.Document.8">
                   <p:embed/>
                 </p:oleObj>
               </mc:Choice>
               <mc:Fallback>
-                <p:oleObj name="Document" r:id="rId3" imgW="6134100" imgH="1371600" progId="Word.Document.8">
+                <p:oleObj name="Document" r:id="rId2" imgW="6134100" imgH="1371600" progId="Word.Document.8">
                   <p:embed/>
                   <p:pic>
                     <p:nvPicPr>
@@ -30159,7 +30159,7 @@
                       <p:nvPr/>
                     </p:nvPicPr>
                     <p:blipFill>
-                      <a:blip r:embed="rId4"/>
+                      <a:blip r:embed="rId3"/>
                       <a:srcRect/>
                       <a:stretch>
                         <a:fillRect/>
@@ -30448,12 +30448,12 @@
           <a:graphicData uri="http://schemas.openxmlformats.org/presentationml/2006/ole">
             <mc:AlternateContent xmlns:mc="http://schemas.openxmlformats.org/markup-compatibility/2006">
               <mc:Choice xmlns:v="urn:schemas-microsoft-com:vml" Requires="v">
-                <p:oleObj spid="_x0000_s62677" r:id="rId3" imgW="6070600" imgH="4038600" progId="Word.Document.8">
+                <p:oleObj r:id="rId2" imgW="6070600" imgH="4038600" progId="Word.Document.8">
                   <p:embed/>
                 </p:oleObj>
               </mc:Choice>
               <mc:Fallback>
-                <p:oleObj r:id="rId3" imgW="6070600" imgH="4038600" progId="Word.Document.8">
+                <p:oleObj r:id="rId2" imgW="6070600" imgH="4038600" progId="Word.Document.8">
                   <p:embed/>
                   <p:pic>
                     <p:nvPicPr>
@@ -30464,7 +30464,7 @@
                       <p:nvPr/>
                     </p:nvPicPr>
                     <p:blipFill>
-                      <a:blip r:embed="rId4">
+                      <a:blip r:embed="rId3">
                         <a:extLst>
                           <a:ext uri="{28A0092B-C50C-407E-A947-70E740481C1C}">
                             <a14:useLocalDpi xmlns:a14="http://schemas.microsoft.com/office/drawing/2010/main" val="0"/>
@@ -30591,8 +30591,8 @@
           </a:p>
         </p:txBody>
       </p:sp>
-      <mc:AlternateContent xmlns:mc="http://schemas.openxmlformats.org/markup-compatibility/2006">
-        <mc:Choice xmlns:a14="http://schemas.microsoft.com/office/drawing/2010/main" Requires="a14">
+      <mc:AlternateContent xmlns:mc="http://schemas.openxmlformats.org/markup-compatibility/2006" xmlns:a14="http://schemas.microsoft.com/office/drawing/2010/main">
+        <mc:Choice Requires="a14">
           <p:sp>
             <p:nvSpPr>
               <p:cNvPr id="4" name="TextBox 3">
@@ -30870,7 +30870,7 @@
             </p:txBody>
           </p:sp>
         </mc:Choice>
-        <mc:Fallback>
+        <mc:Fallback xmlns="">
           <p:sp>
             <p:nvSpPr>
               <p:cNvPr id="4" name="TextBox 3">
@@ -31166,12 +31166,12 @@
           <a:graphicData uri="http://schemas.openxmlformats.org/presentationml/2006/ole">
             <mc:AlternateContent xmlns:mc="http://schemas.openxmlformats.org/markup-compatibility/2006">
               <mc:Choice xmlns:v="urn:schemas-microsoft-com:vml" Requires="v">
-                <p:oleObj spid="_x0000_s63701" r:id="rId3" imgW="6057900" imgH="4025900" progId="Word.Document.8">
+                <p:oleObj r:id="rId2" imgW="6057900" imgH="4025900" progId="Word.Document.8">
                   <p:embed/>
                 </p:oleObj>
               </mc:Choice>
               <mc:Fallback>
-                <p:oleObj r:id="rId3" imgW="6057900" imgH="4025900" progId="Word.Document.8">
+                <p:oleObj r:id="rId2" imgW="6057900" imgH="4025900" progId="Word.Document.8">
                   <p:embed/>
                   <p:pic>
                     <p:nvPicPr>
@@ -31182,7 +31182,7 @@
                       <p:nvPr/>
                     </p:nvPicPr>
                     <p:blipFill>
-                      <a:blip r:embed="rId4">
+                      <a:blip r:embed="rId3">
                         <a:extLst>
                           <a:ext uri="{28A0092B-C50C-407E-A947-70E740481C1C}">
                             <a14:useLocalDpi xmlns:a14="http://schemas.microsoft.com/office/drawing/2010/main" val="0"/>
@@ -31958,12 +31958,12 @@
           <a:graphicData uri="http://schemas.openxmlformats.org/presentationml/2006/ole">
             <mc:AlternateContent xmlns:mc="http://schemas.openxmlformats.org/markup-compatibility/2006">
               <mc:Choice xmlns:v="urn:schemas-microsoft-com:vml" Requires="v">
-                <p:oleObj spid="_x0000_s64725" name="Document" r:id="rId3" imgW="6108700" imgH="1143000" progId="Word.Document.8">
+                <p:oleObj name="Document" r:id="rId2" imgW="6108700" imgH="1143000" progId="Word.Document.8">
                   <p:embed/>
                 </p:oleObj>
               </mc:Choice>
               <mc:Fallback>
-                <p:oleObj name="Document" r:id="rId3" imgW="6108700" imgH="1143000" progId="Word.Document.8">
+                <p:oleObj name="Document" r:id="rId2" imgW="6108700" imgH="1143000" progId="Word.Document.8">
                   <p:embed/>
                   <p:pic>
                     <p:nvPicPr>
@@ -31974,7 +31974,7 @@
                       <p:nvPr/>
                     </p:nvPicPr>
                     <p:blipFill>
-                      <a:blip r:embed="rId4"/>
+                      <a:blip r:embed="rId3"/>
                       <a:srcRect/>
                       <a:stretch>
                         <a:fillRect/>
@@ -32263,12 +32263,12 @@
           <a:graphicData uri="http://schemas.openxmlformats.org/presentationml/2006/ole">
             <mc:AlternateContent xmlns:mc="http://schemas.openxmlformats.org/markup-compatibility/2006">
               <mc:Choice xmlns:v="urn:schemas-microsoft-com:vml" Requires="v">
-                <p:oleObj spid="_x0000_s65749" r:id="rId3" imgW="6083300" imgH="4051300" progId="Word.Document.8">
+                <p:oleObj r:id="rId2" imgW="6083300" imgH="4051300" progId="Word.Document.8">
                   <p:embed/>
                 </p:oleObj>
               </mc:Choice>
               <mc:Fallback>
-                <p:oleObj r:id="rId3" imgW="6083300" imgH="4051300" progId="Word.Document.8">
+                <p:oleObj r:id="rId2" imgW="6083300" imgH="4051300" progId="Word.Document.8">
                   <p:embed/>
                   <p:pic>
                     <p:nvPicPr>
@@ -32279,7 +32279,7 @@
                       <p:nvPr/>
                     </p:nvPicPr>
                     <p:blipFill>
-                      <a:blip r:embed="rId4">
+                      <a:blip r:embed="rId3">
                         <a:extLst>
                           <a:ext uri="{28A0092B-C50C-407E-A947-70E740481C1C}">
                             <a14:useLocalDpi xmlns:a14="http://schemas.microsoft.com/office/drawing/2010/main" val="0"/>
@@ -32466,12 +32466,12 @@
           <a:graphicData uri="http://schemas.openxmlformats.org/presentationml/2006/ole">
             <mc:AlternateContent xmlns:mc="http://schemas.openxmlformats.org/markup-compatibility/2006">
               <mc:Choice xmlns:v="urn:schemas-microsoft-com:vml" Requires="v">
-                <p:oleObj spid="_x0000_s66773" r:id="rId3" imgW="6057900" imgH="3124200" progId="Word.Document.8">
+                <p:oleObj r:id="rId2" imgW="6057900" imgH="3124200" progId="Word.Document.8">
                   <p:embed/>
                 </p:oleObj>
               </mc:Choice>
               <mc:Fallback>
-                <p:oleObj r:id="rId3" imgW="6057900" imgH="3124200" progId="Word.Document.8">
+                <p:oleObj r:id="rId2" imgW="6057900" imgH="3124200" progId="Word.Document.8">
                   <p:embed/>
                   <p:pic>
                     <p:nvPicPr>
@@ -32482,7 +32482,7 @@
                       <p:nvPr/>
                     </p:nvPicPr>
                     <p:blipFill>
-                      <a:blip r:embed="rId4">
+                      <a:blip r:embed="rId3">
                         <a:extLst>
                           <a:ext uri="{28A0092B-C50C-407E-A947-70E740481C1C}">
                             <a14:useLocalDpi xmlns:a14="http://schemas.microsoft.com/office/drawing/2010/main" val="0"/>
@@ -32801,12 +32801,12 @@
           <a:graphicData uri="http://schemas.openxmlformats.org/presentationml/2006/ole">
             <mc:AlternateContent xmlns:mc="http://schemas.openxmlformats.org/markup-compatibility/2006">
               <mc:Choice xmlns:v="urn:schemas-microsoft-com:vml" Requires="v">
-                <p:oleObj spid="_x0000_s67799" r:id="rId3" imgW="6070600" imgH="4038600" progId="Word.Document.8">
+                <p:oleObj r:id="rId2" imgW="6070600" imgH="4038600" progId="Word.Document.8">
                   <p:embed/>
                 </p:oleObj>
               </mc:Choice>
               <mc:Fallback>
-                <p:oleObj r:id="rId3" imgW="6070600" imgH="4038600" progId="Word.Document.8">
+                <p:oleObj r:id="rId2" imgW="6070600" imgH="4038600" progId="Word.Document.8">
                   <p:embed/>
                   <p:pic>
                     <p:nvPicPr>
@@ -32817,7 +32817,7 @@
                       <p:nvPr/>
                     </p:nvPicPr>
                     <p:blipFill>
-                      <a:blip r:embed="rId4">
+                      <a:blip r:embed="rId3">
                         <a:extLst>
                           <a:ext uri="{28A0092B-C50C-407E-A947-70E740481C1C}">
                             <a14:useLocalDpi xmlns:a14="http://schemas.microsoft.com/office/drawing/2010/main" val="0"/>
@@ -32883,7 +32883,7 @@
           <p:nvPr/>
         </p:nvPicPr>
         <p:blipFill>
-          <a:blip r:embed="rId5">
+          <a:blip r:embed="rId4">
             <a:extLst>
               <a:ext uri="{28A0092B-C50C-407E-A947-70E740481C1C}">
                 <a14:useLocalDpi xmlns:a14="http://schemas.microsoft.com/office/drawing/2010/main" val="0"/>
@@ -32943,7 +32943,7 @@
           <p:nvPr/>
         </p:nvPicPr>
         <p:blipFill>
-          <a:blip r:embed="rId5">
+          <a:blip r:embed="rId4">
             <a:extLst>
               <a:ext uri="{28A0092B-C50C-407E-A947-70E740481C1C}">
                 <a14:useLocalDpi xmlns:a14="http://schemas.microsoft.com/office/drawing/2010/main" val="0"/>
@@ -33937,12 +33937,12 @@
           <a:graphicData uri="http://schemas.openxmlformats.org/presentationml/2006/ole">
             <mc:AlternateContent xmlns:mc="http://schemas.openxmlformats.org/markup-compatibility/2006">
               <mc:Choice xmlns:v="urn:schemas-microsoft-com:vml" Requires="v">
-                <p:oleObj spid="_x0000_s190692" r:id="rId3" imgW="30137100" imgH="14922500" progId="Equation.3">
+                <p:oleObj r:id="rId2" imgW="30137100" imgH="14922500" progId="Equation.3">
                   <p:embed/>
                 </p:oleObj>
               </mc:Choice>
               <mc:Fallback>
-                <p:oleObj r:id="rId3" imgW="30137100" imgH="14922500" progId="Equation.3">
+                <p:oleObj r:id="rId2" imgW="30137100" imgH="14922500" progId="Equation.3">
                   <p:embed/>
                   <p:pic>
                     <p:nvPicPr>
@@ -33953,7 +33953,7 @@
                       <p:nvPr/>
                     </p:nvPicPr>
                     <p:blipFill>
-                      <a:blip r:embed="rId4">
+                      <a:blip r:embed="rId3">
                         <a:extLst>
                           <a:ext uri="{28A0092B-C50C-407E-A947-70E740481C1C}">
                             <a14:useLocalDpi xmlns:a14="http://schemas.microsoft.com/office/drawing/2010/main" val="0"/>
@@ -34354,12 +34354,12 @@
           <a:graphicData uri="http://schemas.openxmlformats.org/presentationml/2006/ole">
             <mc:AlternateContent xmlns:mc="http://schemas.openxmlformats.org/markup-compatibility/2006">
               <mc:Choice xmlns:v="urn:schemas-microsoft-com:vml" Requires="v">
-                <p:oleObj spid="_x0000_s190693" r:id="rId5" imgW="7607300" imgH="14922500" progId="Equation.3">
+                <p:oleObj r:id="rId4" imgW="7607300" imgH="14922500" progId="Equation.3">
                   <p:embed/>
                 </p:oleObj>
               </mc:Choice>
               <mc:Fallback>
-                <p:oleObj r:id="rId5" imgW="7607300" imgH="14922500" progId="Equation.3">
+                <p:oleObj r:id="rId4" imgW="7607300" imgH="14922500" progId="Equation.3">
                   <p:embed/>
                   <p:pic>
                     <p:nvPicPr>
@@ -34370,7 +34370,7 @@
                       <p:nvPr/>
                     </p:nvPicPr>
                     <p:blipFill>
-                      <a:blip r:embed="rId6">
+                      <a:blip r:embed="rId5">
                         <a:extLst>
                           <a:ext uri="{28A0092B-C50C-407E-A947-70E740481C1C}">
                             <a14:useLocalDpi xmlns:a14="http://schemas.microsoft.com/office/drawing/2010/main" val="0"/>
@@ -34449,12 +34449,12 @@
           <a:graphicData uri="http://schemas.openxmlformats.org/presentationml/2006/ole">
             <mc:AlternateContent xmlns:mc="http://schemas.openxmlformats.org/markup-compatibility/2006">
               <mc:Choice xmlns:v="urn:schemas-microsoft-com:vml" Requires="v">
-                <p:oleObj spid="_x0000_s190694" r:id="rId7" imgW="7607300" imgH="14922500" progId="Equation.3">
+                <p:oleObj r:id="rId6" imgW="7607300" imgH="14922500" progId="Equation.3">
                   <p:embed/>
                 </p:oleObj>
               </mc:Choice>
               <mc:Fallback>
-                <p:oleObj r:id="rId7" imgW="7607300" imgH="14922500" progId="Equation.3">
+                <p:oleObj r:id="rId6" imgW="7607300" imgH="14922500" progId="Equation.3">
                   <p:embed/>
                   <p:pic>
                     <p:nvPicPr>
@@ -34465,7 +34465,7 @@
                       <p:nvPr/>
                     </p:nvPicPr>
                     <p:blipFill>
-                      <a:blip r:embed="rId6">
+                      <a:blip r:embed="rId5">
                         <a:extLst>
                           <a:ext uri="{28A0092B-C50C-407E-A947-70E740481C1C}">
                             <a14:useLocalDpi xmlns:a14="http://schemas.microsoft.com/office/drawing/2010/main" val="0"/>
@@ -34544,12 +34544,12 @@
           <a:graphicData uri="http://schemas.openxmlformats.org/presentationml/2006/ole">
             <mc:AlternateContent xmlns:mc="http://schemas.openxmlformats.org/markup-compatibility/2006">
               <mc:Choice xmlns:v="urn:schemas-microsoft-com:vml" Requires="v">
-                <p:oleObj spid="_x0000_s190695" r:id="rId8" imgW="9652000" imgH="15214600" progId="Equation.3">
+                <p:oleObj r:id="rId7" imgW="9652000" imgH="15214600" progId="Equation.3">
                   <p:embed/>
                 </p:oleObj>
               </mc:Choice>
               <mc:Fallback>
-                <p:oleObj r:id="rId8" imgW="9652000" imgH="15214600" progId="Equation.3">
+                <p:oleObj r:id="rId7" imgW="9652000" imgH="15214600" progId="Equation.3">
                   <p:embed/>
                   <p:pic>
                     <p:nvPicPr>
@@ -34560,7 +34560,7 @@
                       <p:nvPr/>
                     </p:nvPicPr>
                     <p:blipFill>
-                      <a:blip r:embed="rId9">
+                      <a:blip r:embed="rId8">
                         <a:extLst>
                           <a:ext uri="{28A0092B-C50C-407E-A947-70E740481C1C}">
                             <a14:useLocalDpi xmlns:a14="http://schemas.microsoft.com/office/drawing/2010/main" val="0"/>
@@ -34639,12 +34639,12 @@
           <a:graphicData uri="http://schemas.openxmlformats.org/presentationml/2006/ole">
             <mc:AlternateContent xmlns:mc="http://schemas.openxmlformats.org/markup-compatibility/2006">
               <mc:Choice xmlns:v="urn:schemas-microsoft-com:vml" Requires="v">
-                <p:oleObj spid="_x0000_s190696" r:id="rId10" imgW="12585700" imgH="5562600" progId="Equation.3">
+                <p:oleObj r:id="rId9" imgW="12585700" imgH="5562600" progId="Equation.3">
                   <p:embed/>
                 </p:oleObj>
               </mc:Choice>
               <mc:Fallback>
-                <p:oleObj r:id="rId10" imgW="12585700" imgH="5562600" progId="Equation.3">
+                <p:oleObj r:id="rId9" imgW="12585700" imgH="5562600" progId="Equation.3">
                   <p:embed/>
                   <p:pic>
                     <p:nvPicPr>
@@ -34655,7 +34655,7 @@
                       <p:nvPr/>
                     </p:nvPicPr>
                     <p:blipFill>
-                      <a:blip r:embed="rId11">
+                      <a:blip r:embed="rId10">
                         <a:extLst>
                           <a:ext uri="{28A0092B-C50C-407E-A947-70E740481C1C}">
                             <a14:useLocalDpi xmlns:a14="http://schemas.microsoft.com/office/drawing/2010/main" val="0"/>
@@ -34728,12 +34728,12 @@
           <a:graphicData uri="http://schemas.openxmlformats.org/presentationml/2006/ole">
             <mc:AlternateContent xmlns:mc="http://schemas.openxmlformats.org/markup-compatibility/2006">
               <mc:Choice xmlns:v="urn:schemas-microsoft-com:vml" Requires="v">
-                <p:oleObj spid="_x0000_s190697" r:id="rId12" imgW="3213100" imgH="3213100" progId="Equation.3">
+                <p:oleObj r:id="rId11" imgW="3213100" imgH="3213100" progId="Equation.3">
                   <p:embed/>
                 </p:oleObj>
               </mc:Choice>
               <mc:Fallback>
-                <p:oleObj r:id="rId12" imgW="3213100" imgH="3213100" progId="Equation.3">
+                <p:oleObj r:id="rId11" imgW="3213100" imgH="3213100" progId="Equation.3">
                   <p:embed/>
                   <p:pic>
                     <p:nvPicPr>
@@ -34744,7 +34744,7 @@
                       <p:nvPr/>
                     </p:nvPicPr>
                     <p:blipFill>
-                      <a:blip r:embed="rId13">
+                      <a:blip r:embed="rId12">
                         <a:extLst>
                           <a:ext uri="{28A0092B-C50C-407E-A947-70E740481C1C}">
                             <a14:useLocalDpi xmlns:a14="http://schemas.microsoft.com/office/drawing/2010/main" val="0"/>
@@ -34845,12 +34845,12 @@
           <a:graphicData uri="http://schemas.openxmlformats.org/presentationml/2006/ole">
             <mc:AlternateContent xmlns:mc="http://schemas.openxmlformats.org/markup-compatibility/2006">
               <mc:Choice xmlns:v="urn:schemas-microsoft-com:vml" Requires="v">
-                <p:oleObj spid="_x0000_s69842" r:id="rId3" imgW="120535700" imgH="38620700" progId="Equation.3">
+                <p:oleObj r:id="rId2" imgW="120535700" imgH="38620700" progId="Equation.3">
                   <p:embed/>
                 </p:oleObj>
               </mc:Choice>
               <mc:Fallback>
-                <p:oleObj r:id="rId3" imgW="120535700" imgH="38620700" progId="Equation.3">
+                <p:oleObj r:id="rId2" imgW="120535700" imgH="38620700" progId="Equation.3">
                   <p:embed/>
                   <p:pic>
                     <p:nvPicPr>
@@ -34861,7 +34861,7 @@
                       <p:nvPr/>
                     </p:nvPicPr>
                     <p:blipFill>
-                      <a:blip r:embed="rId4">
+                      <a:blip r:embed="rId3">
                         <a:extLst>
                           <a:ext uri="{28A0092B-C50C-407E-A947-70E740481C1C}">
                             <a14:useLocalDpi xmlns:a14="http://schemas.microsoft.com/office/drawing/2010/main" val="0"/>
@@ -35383,12 +35383,12 @@
           <a:graphicData uri="http://schemas.openxmlformats.org/presentationml/2006/ole">
             <mc:AlternateContent xmlns:mc="http://schemas.openxmlformats.org/markup-compatibility/2006">
               <mc:Choice xmlns:v="urn:schemas-microsoft-com:vml" Requires="v">
-                <p:oleObj spid="_x0000_s72914" r:id="rId3" imgW="5207000" imgH="3581400" progId="Visio.Drawing.4">
+                <p:oleObj r:id="rId2" imgW="5207000" imgH="3581400" progId="Visio.Drawing.4">
                   <p:embed/>
                 </p:oleObj>
               </mc:Choice>
               <mc:Fallback>
-                <p:oleObj r:id="rId3" imgW="5207000" imgH="3581400" progId="Visio.Drawing.4">
+                <p:oleObj r:id="rId2" imgW="5207000" imgH="3581400" progId="Visio.Drawing.4">
                   <p:embed/>
                   <p:pic>
                     <p:nvPicPr>
@@ -35399,7 +35399,7 @@
                       <p:nvPr/>
                     </p:nvPicPr>
                     <p:blipFill>
-                      <a:blip r:embed="rId4">
+                      <a:blip r:embed="rId3">
                         <a:extLst>
                           <a:ext uri="{28A0092B-C50C-407E-A947-70E740481C1C}">
                             <a14:useLocalDpi xmlns:a14="http://schemas.microsoft.com/office/drawing/2010/main" val="0"/>
@@ -35522,12 +35522,12 @@
             <a:graphicData uri="http://schemas.openxmlformats.org/presentationml/2006/ole">
               <mc:AlternateContent xmlns:mc="http://schemas.openxmlformats.org/markup-compatibility/2006">
                 <mc:Choice xmlns:v="urn:schemas-microsoft-com:vml" Requires="v">
-                  <p:oleObj spid="_x0000_s72515" r:id="rId3" imgW="41541700" imgH="38620700" progId="Equation.3">
+                  <p:oleObj r:id="rId2" imgW="41541700" imgH="38620700" progId="Equation.3">
                     <p:embed/>
                   </p:oleObj>
                 </mc:Choice>
                 <mc:Fallback>
-                  <p:oleObj r:id="rId3" imgW="41541700" imgH="38620700" progId="Equation.3">
+                  <p:oleObj r:id="rId2" imgW="41541700" imgH="38620700" progId="Equation.3">
                     <p:embed/>
                     <p:pic>
                       <p:nvPicPr>
@@ -35538,7 +35538,7 @@
                         <p:nvPr/>
                       </p:nvPicPr>
                       <p:blipFill>
-                        <a:blip r:embed="rId4">
+                        <a:blip r:embed="rId3">
                           <a:extLst>
                             <a:ext uri="{28A0092B-C50C-407E-A947-70E740481C1C}">
                               <a14:useLocalDpi xmlns:a14="http://schemas.microsoft.com/office/drawing/2010/main" val="0"/>
@@ -35611,12 +35611,12 @@
             <a:graphicData uri="http://schemas.openxmlformats.org/presentationml/2006/ole">
               <mc:AlternateContent xmlns:mc="http://schemas.openxmlformats.org/markup-compatibility/2006">
                 <mc:Choice xmlns:v="urn:schemas-microsoft-com:vml" Requires="v">
-                  <p:oleObj spid="_x0000_s72516" r:id="rId5" imgW="66116200" imgH="38620700" progId="Equation.3">
+                  <p:oleObj r:id="rId4" imgW="66116200" imgH="38620700" progId="Equation.3">
                     <p:embed/>
                   </p:oleObj>
                 </mc:Choice>
                 <mc:Fallback>
-                  <p:oleObj r:id="rId5" imgW="66116200" imgH="38620700" progId="Equation.3">
+                  <p:oleObj r:id="rId4" imgW="66116200" imgH="38620700" progId="Equation.3">
                     <p:embed/>
                     <p:pic>
                       <p:nvPicPr>
@@ -35627,7 +35627,7 @@
                         <p:nvPr/>
                       </p:nvPicPr>
                       <p:blipFill>
-                        <a:blip r:embed="rId6">
+                        <a:blip r:embed="rId5">
                           <a:extLst>
                             <a:ext uri="{28A0092B-C50C-407E-A947-70E740481C1C}">
                               <a14:useLocalDpi xmlns:a14="http://schemas.microsoft.com/office/drawing/2010/main" val="0"/>
@@ -35700,12 +35700,12 @@
             <a:graphicData uri="http://schemas.openxmlformats.org/presentationml/2006/ole">
               <mc:AlternateContent xmlns:mc="http://schemas.openxmlformats.org/markup-compatibility/2006">
                 <mc:Choice xmlns:v="urn:schemas-microsoft-com:vml" Requires="v">
-                  <p:oleObj spid="_x0000_s72517" r:id="rId7" imgW="70218300" imgH="38620700" progId="Equation.3">
+                  <p:oleObj r:id="rId6" imgW="70218300" imgH="38620700" progId="Equation.3">
                     <p:embed/>
                   </p:oleObj>
                 </mc:Choice>
                 <mc:Fallback>
-                  <p:oleObj r:id="rId7" imgW="70218300" imgH="38620700" progId="Equation.3">
+                  <p:oleObj r:id="rId6" imgW="70218300" imgH="38620700" progId="Equation.3">
                     <p:embed/>
                     <p:pic>
                       <p:nvPicPr>
@@ -35716,7 +35716,7 @@
                         <p:nvPr/>
                       </p:nvPicPr>
                       <p:blipFill>
-                        <a:blip r:embed="rId8">
+                        <a:blip r:embed="rId7">
                           <a:extLst>
                             <a:ext uri="{28A0092B-C50C-407E-A947-70E740481C1C}">
                               <a14:useLocalDpi xmlns:a14="http://schemas.microsoft.com/office/drawing/2010/main" val="0"/>
@@ -35789,12 +35789,12 @@
             <a:graphicData uri="http://schemas.openxmlformats.org/presentationml/2006/ole">
               <mc:AlternateContent xmlns:mc="http://schemas.openxmlformats.org/markup-compatibility/2006">
                 <mc:Choice xmlns:v="urn:schemas-microsoft-com:vml" Requires="v">
-                  <p:oleObj spid="_x0000_s72518" r:id="rId9" imgW="83096100" imgH="38620700" progId="Equation.3">
+                  <p:oleObj r:id="rId8" imgW="83096100" imgH="38620700" progId="Equation.3">
                     <p:embed/>
                   </p:oleObj>
                 </mc:Choice>
                 <mc:Fallback>
-                  <p:oleObj r:id="rId9" imgW="83096100" imgH="38620700" progId="Equation.3">
+                  <p:oleObj r:id="rId8" imgW="83096100" imgH="38620700" progId="Equation.3">
                     <p:embed/>
                     <p:pic>
                       <p:nvPicPr>
@@ -35805,7 +35805,7 @@
                         <p:nvPr/>
                       </p:nvPicPr>
                       <p:blipFill>
-                        <a:blip r:embed="rId10">
+                        <a:blip r:embed="rId9">
                           <a:extLst>
                             <a:ext uri="{28A0092B-C50C-407E-A947-70E740481C1C}">
                               <a14:useLocalDpi xmlns:a14="http://schemas.microsoft.com/office/drawing/2010/main" val="0"/>
@@ -36412,12 +36412,12 @@
           <a:graphicData uri="http://schemas.openxmlformats.org/presentationml/2006/ole">
             <mc:AlternateContent xmlns:mc="http://schemas.openxmlformats.org/markup-compatibility/2006">
               <mc:Choice xmlns:v="urn:schemas-microsoft-com:vml" Requires="v">
-                <p:oleObj spid="_x0000_s73941" r:id="rId3" imgW="6134100" imgH="2286000" progId="Word.Document.8">
+                <p:oleObj r:id="rId2" imgW="6134100" imgH="2286000" progId="Word.Document.8">
                   <p:embed/>
                 </p:oleObj>
               </mc:Choice>
               <mc:Fallback>
-                <p:oleObj r:id="rId3" imgW="6134100" imgH="2286000" progId="Word.Document.8">
+                <p:oleObj r:id="rId2" imgW="6134100" imgH="2286000" progId="Word.Document.8">
                   <p:embed/>
                   <p:pic>
                     <p:nvPicPr>
@@ -36428,7 +36428,7 @@
                       <p:nvPr/>
                     </p:nvPicPr>
                     <p:blipFill>
-                      <a:blip r:embed="rId4">
+                      <a:blip r:embed="rId3">
                         <a:extLst>
                           <a:ext uri="{28A0092B-C50C-407E-A947-70E740481C1C}">
                             <a14:useLocalDpi xmlns:a14="http://schemas.microsoft.com/office/drawing/2010/main" val="0"/>
@@ -37133,12 +37133,12 @@
           <a:graphicData uri="http://schemas.openxmlformats.org/presentationml/2006/ole">
             <mc:AlternateContent xmlns:mc="http://schemas.openxmlformats.org/markup-compatibility/2006">
               <mc:Choice xmlns:v="urn:schemas-microsoft-com:vml" Requires="v">
-                <p:oleObj spid="_x0000_s74965" r:id="rId3" imgW="6121400" imgH="2705100" progId="Word.Document.8">
+                <p:oleObj r:id="rId2" imgW="6121400" imgH="2705100" progId="Word.Document.8">
                   <p:embed/>
                 </p:oleObj>
               </mc:Choice>
               <mc:Fallback>
-                <p:oleObj r:id="rId3" imgW="6121400" imgH="2705100" progId="Word.Document.8">
+                <p:oleObj r:id="rId2" imgW="6121400" imgH="2705100" progId="Word.Document.8">
                   <p:embed/>
                   <p:pic>
                     <p:nvPicPr>
@@ -37149,7 +37149,7 @@
                       <p:nvPr/>
                     </p:nvPicPr>
                     <p:blipFill>
-                      <a:blip r:embed="rId4">
+                      <a:blip r:embed="rId3">
                         <a:extLst>
                           <a:ext uri="{28A0092B-C50C-407E-A947-70E740481C1C}">
                             <a14:useLocalDpi xmlns:a14="http://schemas.microsoft.com/office/drawing/2010/main" val="0"/>
@@ -37717,12 +37717,12 @@
           <a:graphicData uri="http://schemas.openxmlformats.org/presentationml/2006/ole">
             <mc:AlternateContent xmlns:mc="http://schemas.openxmlformats.org/markup-compatibility/2006">
               <mc:Choice xmlns:v="urn:schemas-microsoft-com:vml" Requires="v">
-                <p:oleObj spid="_x0000_s76199" r:id="rId3" imgW="7162800" imgH="647700" progId="Word.Document.8">
+                <p:oleObj r:id="rId2" imgW="7162800" imgH="647700" progId="Word.Document.8">
                   <p:embed/>
                 </p:oleObj>
               </mc:Choice>
               <mc:Fallback>
-                <p:oleObj r:id="rId3" imgW="7162800" imgH="647700" progId="Word.Document.8">
+                <p:oleObj r:id="rId2" imgW="7162800" imgH="647700" progId="Word.Document.8">
                   <p:embed/>
                   <p:pic>
                     <p:nvPicPr>
@@ -37733,7 +37733,7 @@
                       <p:nvPr/>
                     </p:nvPicPr>
                     <p:blipFill>
-                      <a:blip r:embed="rId4">
+                      <a:blip r:embed="rId3">
                         <a:extLst>
                           <a:ext uri="{28A0092B-C50C-407E-A947-70E740481C1C}">
                             <a14:useLocalDpi xmlns:a14="http://schemas.microsoft.com/office/drawing/2010/main" val="0"/>
@@ -37799,7 +37799,7 @@
           <p:nvPr/>
         </p:nvPicPr>
         <p:blipFill>
-          <a:blip r:embed="rId5">
+          <a:blip r:embed="rId4">
             <a:extLst>
               <a:ext uri="{28A0092B-C50C-407E-A947-70E740481C1C}">
                 <a14:useLocalDpi xmlns:a14="http://schemas.microsoft.com/office/drawing/2010/main" val="0"/>
@@ -37936,12 +37936,12 @@
           <a:graphicData uri="http://schemas.openxmlformats.org/presentationml/2006/ole">
             <mc:AlternateContent xmlns:mc="http://schemas.openxmlformats.org/markup-compatibility/2006">
               <mc:Choice xmlns:v="urn:schemas-microsoft-com:vml" Requires="v">
-                <p:oleObj spid="_x0000_s76200" r:id="rId6" imgW="50800" imgH="31750" progId="Paint.Picture">
+                <p:oleObj r:id="rId5" imgW="50800" imgH="31750" progId="Paint.Picture">
                   <p:embed/>
                 </p:oleObj>
               </mc:Choice>
               <mc:Fallback>
-                <p:oleObj r:id="rId6" imgW="50800" imgH="31750" progId="Paint.Picture">
+                <p:oleObj r:id="rId5" imgW="50800" imgH="31750" progId="Paint.Picture">
                   <p:embed/>
                   <p:pic>
                     <p:nvPicPr>
@@ -37952,7 +37952,7 @@
                       <p:nvPr/>
                     </p:nvPicPr>
                     <p:blipFill>
-                      <a:blip r:embed="rId7">
+                      <a:blip r:embed="rId6">
                         <a:extLst>
                           <a:ext uri="{28A0092B-C50C-407E-A947-70E740481C1C}">
                             <a14:useLocalDpi xmlns:a14="http://schemas.microsoft.com/office/drawing/2010/main" val="0"/>
@@ -38265,12 +38265,12 @@
           <a:graphicData uri="http://schemas.openxmlformats.org/presentationml/2006/ole">
             <mc:AlternateContent xmlns:mc="http://schemas.openxmlformats.org/markup-compatibility/2006">
               <mc:Choice xmlns:v="urn:schemas-microsoft-com:vml" Requires="v">
-                <p:oleObj spid="_x0000_s77013" name="Document" r:id="rId3" imgW="3886200" imgH="2032000" progId="Word.Document.8">
+                <p:oleObj name="Document" r:id="rId2" imgW="3886200" imgH="2032000" progId="Word.Document.8">
                   <p:embed/>
                 </p:oleObj>
               </mc:Choice>
               <mc:Fallback>
-                <p:oleObj name="Document" r:id="rId3" imgW="3886200" imgH="2032000" progId="Word.Document.8">
+                <p:oleObj name="Document" r:id="rId2" imgW="3886200" imgH="2032000" progId="Word.Document.8">
                   <p:embed/>
                   <p:pic>
                     <p:nvPicPr>
@@ -38281,7 +38281,7 @@
                       <p:nvPr/>
                     </p:nvPicPr>
                     <p:blipFill>
-                      <a:blip r:embed="rId4"/>
+                      <a:blip r:embed="rId3"/>
                       <a:srcRect/>
                       <a:stretch>
                         <a:fillRect/>
@@ -39180,12 +39180,12 @@
           <a:graphicData uri="http://schemas.openxmlformats.org/presentationml/2006/ole">
             <mc:AlternateContent xmlns:mc="http://schemas.openxmlformats.org/markup-compatibility/2006">
               <mc:Choice xmlns:v="urn:schemas-microsoft-com:vml" Requires="v">
-                <p:oleObj spid="_x0000_s80085" r:id="rId3" imgW="6070600" imgH="4038600" progId="Word.Document.8">
+                <p:oleObj r:id="rId2" imgW="6070600" imgH="4038600" progId="Word.Document.8">
                   <p:embed/>
                 </p:oleObj>
               </mc:Choice>
               <mc:Fallback>
-                <p:oleObj r:id="rId3" imgW="6070600" imgH="4038600" progId="Word.Document.8">
+                <p:oleObj r:id="rId2" imgW="6070600" imgH="4038600" progId="Word.Document.8">
                   <p:embed/>
                   <p:pic>
                     <p:nvPicPr>
@@ -39196,7 +39196,7 @@
                       <p:nvPr/>
                     </p:nvPicPr>
                     <p:blipFill>
-                      <a:blip r:embed="rId4">
+                      <a:blip r:embed="rId3">
                         <a:extLst>
                           <a:ext uri="{28A0092B-C50C-407E-A947-70E740481C1C}">
                             <a14:useLocalDpi xmlns:a14="http://schemas.microsoft.com/office/drawing/2010/main" val="0"/>
@@ -39579,12 +39579,12 @@
           <a:graphicData uri="http://schemas.openxmlformats.org/presentationml/2006/ole">
             <mc:AlternateContent xmlns:mc="http://schemas.openxmlformats.org/markup-compatibility/2006">
               <mc:Choice xmlns:v="urn:schemas-microsoft-com:vml" Requires="v">
-                <p:oleObj spid="_x0000_s81109" r:id="rId4" imgW="3441700" imgH="4013200" progId="Word.Document.8">
+                <p:oleObj r:id="rId3" imgW="3441700" imgH="4013200" progId="Word.Document.8">
                   <p:embed/>
                 </p:oleObj>
               </mc:Choice>
               <mc:Fallback>
-                <p:oleObj r:id="rId4" imgW="3441700" imgH="4013200" progId="Word.Document.8">
+                <p:oleObj r:id="rId3" imgW="3441700" imgH="4013200" progId="Word.Document.8">
                   <p:embed/>
                   <p:pic>
                     <p:nvPicPr>
@@ -39595,7 +39595,7 @@
                       <p:nvPr/>
                     </p:nvPicPr>
                     <p:blipFill>
-                      <a:blip r:embed="rId5">
+                      <a:blip r:embed="rId4">
                         <a:extLst>
                           <a:ext uri="{28A0092B-C50C-407E-A947-70E740481C1C}">
                             <a14:useLocalDpi xmlns:a14="http://schemas.microsoft.com/office/drawing/2010/main" val="0"/>
@@ -39788,12 +39788,12 @@
           <a:graphicData uri="http://schemas.openxmlformats.org/presentationml/2006/ole">
             <mc:AlternateContent xmlns:mc="http://schemas.openxmlformats.org/markup-compatibility/2006">
               <mc:Choice xmlns:v="urn:schemas-microsoft-com:vml" Requires="v">
-                <p:oleObj spid="_x0000_s82133" name="Document" r:id="rId3" imgW="6108700" imgH="3048000" progId="Word.Document.8">
+                <p:oleObj name="Document" r:id="rId2" imgW="6108700" imgH="3048000" progId="Word.Document.8">
                   <p:embed/>
                 </p:oleObj>
               </mc:Choice>
               <mc:Fallback>
-                <p:oleObj name="Document" r:id="rId3" imgW="6108700" imgH="3048000" progId="Word.Document.8">
+                <p:oleObj name="Document" r:id="rId2" imgW="6108700" imgH="3048000" progId="Word.Document.8">
                   <p:embed/>
                   <p:pic>
                     <p:nvPicPr>
@@ -39804,7 +39804,7 @@
                       <p:nvPr/>
                     </p:nvPicPr>
                     <p:blipFill>
-                      <a:blip r:embed="rId4"/>
+                      <a:blip r:embed="rId3"/>
                       <a:srcRect/>
                       <a:stretch>
                         <a:fillRect/>
@@ -40602,12 +40602,12 @@
           <a:graphicData uri="http://schemas.openxmlformats.org/presentationml/2006/ole">
             <mc:AlternateContent xmlns:mc="http://schemas.openxmlformats.org/markup-compatibility/2006">
               <mc:Choice xmlns:v="urn:schemas-microsoft-com:vml" Requires="v">
-                <p:oleObj spid="_x0000_s11474" r:id="rId3" imgW="3797300" imgH="4102100" progId="Equation.DSMT4">
+                <p:oleObj r:id="rId2" imgW="3797300" imgH="4102100" progId="Equation.DSMT4">
                   <p:embed/>
                 </p:oleObj>
               </mc:Choice>
               <mc:Fallback>
-                <p:oleObj r:id="rId3" imgW="3797300" imgH="4102100" progId="Equation.DSMT4">
+                <p:oleObj r:id="rId2" imgW="3797300" imgH="4102100" progId="Equation.DSMT4">
                   <p:embed/>
                   <p:pic>
                     <p:nvPicPr>
@@ -40618,7 +40618,7 @@
                       <p:nvPr/>
                     </p:nvPicPr>
                     <p:blipFill>
-                      <a:blip r:embed="rId4">
+                      <a:blip r:embed="rId3">
                         <a:extLst>
                           <a:ext uri="{28A0092B-C50C-407E-A947-70E740481C1C}">
                             <a14:useLocalDpi xmlns:a14="http://schemas.microsoft.com/office/drawing/2010/main" val="0"/>
